--- a/1004-Tubitak/Presentation/2021.06.23.pptx
+++ b/1004-Tubitak/Presentation/2021.06.23.pptx
@@ -111,6 +111,11 @@
       </a:defRPr>
     </a:lvl9pPr>
   </p:defaultTextStyle>
+  <p:extLst>
+    <p:ext uri="{EFAFB233-063F-42B5-8137-9DF3F51BA10A}">
+      <p15:sldGuideLst xmlns:p15="http://schemas.microsoft.com/office/powerpoint/2012/main"/>
+    </p:ext>
+  </p:extLst>
 </p:presentation>
 </file>
 
@@ -261,7 +266,7 @@
           <a:p>
             <a:fld id="{7EA9599F-BB50-456D-A116-8599907E7F77}" type="datetimeFigureOut">
               <a:rPr lang="en-US" smtClean="0"/>
-              <a:t>6/23/2021</a:t>
+              <a:t>7/30/2021</a:t>
             </a:fld>
             <a:endParaRPr lang="en-US"/>
           </a:p>
@@ -459,7 +464,7 @@
           <a:p>
             <a:fld id="{7EA9599F-BB50-456D-A116-8599907E7F77}" type="datetimeFigureOut">
               <a:rPr lang="en-US" smtClean="0"/>
-              <a:t>6/23/2021</a:t>
+              <a:t>7/30/2021</a:t>
             </a:fld>
             <a:endParaRPr lang="en-US"/>
           </a:p>
@@ -667,7 +672,7 @@
           <a:p>
             <a:fld id="{7EA9599F-BB50-456D-A116-8599907E7F77}" type="datetimeFigureOut">
               <a:rPr lang="en-US" smtClean="0"/>
-              <a:t>6/23/2021</a:t>
+              <a:t>7/30/2021</a:t>
             </a:fld>
             <a:endParaRPr lang="en-US"/>
           </a:p>
@@ -865,7 +870,7 @@
           <a:p>
             <a:fld id="{7EA9599F-BB50-456D-A116-8599907E7F77}" type="datetimeFigureOut">
               <a:rPr lang="en-US" smtClean="0"/>
-              <a:t>6/23/2021</a:t>
+              <a:t>7/30/2021</a:t>
             </a:fld>
             <a:endParaRPr lang="en-US"/>
           </a:p>
@@ -1140,7 +1145,7 @@
           <a:p>
             <a:fld id="{7EA9599F-BB50-456D-A116-8599907E7F77}" type="datetimeFigureOut">
               <a:rPr lang="en-US" smtClean="0"/>
-              <a:t>6/23/2021</a:t>
+              <a:t>7/30/2021</a:t>
             </a:fld>
             <a:endParaRPr lang="en-US"/>
           </a:p>
@@ -1405,7 +1410,7 @@
           <a:p>
             <a:fld id="{7EA9599F-BB50-456D-A116-8599907E7F77}" type="datetimeFigureOut">
               <a:rPr lang="en-US" smtClean="0"/>
-              <a:t>6/23/2021</a:t>
+              <a:t>7/30/2021</a:t>
             </a:fld>
             <a:endParaRPr lang="en-US"/>
           </a:p>
@@ -1817,7 +1822,7 @@
           <a:p>
             <a:fld id="{7EA9599F-BB50-456D-A116-8599907E7F77}" type="datetimeFigureOut">
               <a:rPr lang="en-US" smtClean="0"/>
-              <a:t>6/23/2021</a:t>
+              <a:t>7/30/2021</a:t>
             </a:fld>
             <a:endParaRPr lang="en-US"/>
           </a:p>
@@ -1958,7 +1963,7 @@
           <a:p>
             <a:fld id="{7EA9599F-BB50-456D-A116-8599907E7F77}" type="datetimeFigureOut">
               <a:rPr lang="en-US" smtClean="0"/>
-              <a:t>6/23/2021</a:t>
+              <a:t>7/30/2021</a:t>
             </a:fld>
             <a:endParaRPr lang="en-US"/>
           </a:p>
@@ -2071,7 +2076,7 @@
           <a:p>
             <a:fld id="{7EA9599F-BB50-456D-A116-8599907E7F77}" type="datetimeFigureOut">
               <a:rPr lang="en-US" smtClean="0"/>
-              <a:t>6/23/2021</a:t>
+              <a:t>7/30/2021</a:t>
             </a:fld>
             <a:endParaRPr lang="en-US"/>
           </a:p>
@@ -2382,7 +2387,7 @@
           <a:p>
             <a:fld id="{7EA9599F-BB50-456D-A116-8599907E7F77}" type="datetimeFigureOut">
               <a:rPr lang="en-US" smtClean="0"/>
-              <a:t>6/23/2021</a:t>
+              <a:t>7/30/2021</a:t>
             </a:fld>
             <a:endParaRPr lang="en-US"/>
           </a:p>
@@ -2670,7 +2675,7 @@
           <a:p>
             <a:fld id="{7EA9599F-BB50-456D-A116-8599907E7F77}" type="datetimeFigureOut">
               <a:rPr lang="en-US" smtClean="0"/>
-              <a:t>6/23/2021</a:t>
+              <a:t>7/30/2021</a:t>
             </a:fld>
             <a:endParaRPr lang="en-US"/>
           </a:p>
@@ -2911,7 +2916,7 @@
           <a:p>
             <a:fld id="{7EA9599F-BB50-456D-A116-8599907E7F77}" type="datetimeFigureOut">
               <a:rPr lang="en-US" smtClean="0"/>
-              <a:t>6/23/2021</a:t>
+              <a:t>7/30/2021</a:t>
             </a:fld>
             <a:endParaRPr lang="en-US"/>
           </a:p>
@@ -3411,9 +3416,9 @@
           <p:nvPr/>
         </p:nvCxnSpPr>
         <p:spPr>
-          <a:xfrm>
-            <a:off x="5737817" y="2455868"/>
-            <a:ext cx="1265640" cy="14859"/>
+          <a:xfrm flipV="1">
+            <a:off x="5080716" y="2509963"/>
+            <a:ext cx="479553" cy="2672"/>
           </a:xfrm>
           <a:prstGeom prst="straightConnector1">
             <a:avLst/>
@@ -3462,8 +3467,8 @@
         </p:blipFill>
         <p:spPr>
           <a:xfrm>
-            <a:off x="7179973" y="1581866"/>
-            <a:ext cx="2650987" cy="1762862"/>
+            <a:off x="5648134" y="1484026"/>
+            <a:ext cx="2864521" cy="1904859"/>
           </a:xfrm>
           <a:prstGeom prst="rect">
             <a:avLst/>
@@ -3484,7 +3489,7 @@
         </p:nvSpPr>
         <p:spPr>
           <a:xfrm>
-            <a:off x="3686491" y="4253356"/>
+            <a:off x="3219960" y="5466336"/>
             <a:ext cx="5924369" cy="1200329"/>
           </a:xfrm>
           <a:prstGeom prst="rect">
@@ -3558,8 +3563,8 @@
         </p:nvSpPr>
         <p:spPr>
           <a:xfrm>
-            <a:off x="3337239" y="1255893"/>
-            <a:ext cx="1629177" cy="2543149"/>
+            <a:off x="3387012" y="1255893"/>
+            <a:ext cx="1579404" cy="2543149"/>
           </a:xfrm>
           <a:prstGeom prst="roundRect">
             <a:avLst/>
@@ -3611,7 +3616,7 @@
         </p:nvSpPr>
         <p:spPr>
           <a:xfrm>
-            <a:off x="7237928" y="1238388"/>
+            <a:off x="5701546" y="1238388"/>
             <a:ext cx="2469952" cy="2543149"/>
           </a:xfrm>
           <a:prstGeom prst="roundRect">
@@ -3647,6 +3652,81 @@
           <a:p>
             <a:pPr algn="ctr"/>
             <a:endParaRPr lang="en-US"/>
+          </a:p>
+        </p:txBody>
+      </p:sp>
+      <p:sp>
+        <p:nvSpPr>
+          <p:cNvPr id="2" name="TextBox 1">
+            <a:extLst>
+              <a:ext uri="{FF2B5EF4-FFF2-40B4-BE49-F238E27FC236}">
+                <a16:creationId xmlns:a16="http://schemas.microsoft.com/office/drawing/2014/main" id="{14F7B20C-0C97-45EA-8FC0-2B85E162FCCF}"/>
+              </a:ext>
+            </a:extLst>
+          </p:cNvPr>
+          <p:cNvSpPr txBox="1"/>
+          <p:nvPr/>
+        </p:nvSpPr>
+        <p:spPr>
+          <a:xfrm>
+            <a:off x="6096000" y="3835702"/>
+            <a:ext cx="2614134" cy="369332"/>
+          </a:xfrm>
+          <a:prstGeom prst="rect">
+            <a:avLst/>
+          </a:prstGeom>
+          <a:noFill/>
+        </p:spPr>
+        <p:txBody>
+          <a:bodyPr wrap="square" rtlCol="0">
+            <a:spAutoFit/>
+          </a:bodyPr>
+          <a:lstStyle/>
+          <a:p>
+            <a:r>
+              <a:rPr lang="en-US" dirty="0">
+                <a:latin typeface="Times New Roman" panose="02020603050405020304" pitchFamily="18" charset="0"/>
+                <a:cs typeface="Times New Roman" panose="02020603050405020304" pitchFamily="18" charset="0"/>
+              </a:rPr>
+              <a:t>3-Phase Inverter</a:t>
+            </a:r>
+          </a:p>
+        </p:txBody>
+      </p:sp>
+      <p:sp>
+        <p:nvSpPr>
+          <p:cNvPr id="3" name="Rectangle 2">
+            <a:extLst>
+              <a:ext uri="{FF2B5EF4-FFF2-40B4-BE49-F238E27FC236}">
+                <a16:creationId xmlns:a16="http://schemas.microsoft.com/office/drawing/2014/main" id="{094B9302-DC5C-4317-A1E2-E8F45E006E72}"/>
+              </a:ext>
+            </a:extLst>
+          </p:cNvPr>
+          <p:cNvSpPr/>
+          <p:nvPr/>
+        </p:nvSpPr>
+        <p:spPr>
+          <a:xfrm>
+            <a:off x="1797665" y="3835702"/>
+            <a:ext cx="2403222" cy="369332"/>
+          </a:xfrm>
+          <a:prstGeom prst="rect">
+            <a:avLst/>
+          </a:prstGeom>
+        </p:spPr>
+        <p:txBody>
+          <a:bodyPr wrap="none">
+            <a:spAutoFit/>
+          </a:bodyPr>
+          <a:lstStyle/>
+          <a:p>
+            <a:r>
+              <a:rPr lang="en-US" dirty="0">
+                <a:latin typeface="Times New Roman" panose="02020603050405020304" pitchFamily="18" charset="0"/>
+                <a:cs typeface="Times New Roman" panose="02020603050405020304" pitchFamily="18" charset="0"/>
+              </a:rPr>
+              <a:t>3-level Boost Converter</a:t>
+            </a:r>
           </a:p>
         </p:txBody>
       </p:sp>
@@ -5955,8 +6035,8 @@
           </a:p>
         </p:txBody>
       </p:sp>
-      <mc:AlternateContent xmlns:mc="http://schemas.openxmlformats.org/markup-compatibility/2006">
-        <mc:Choice xmlns:a14="http://schemas.microsoft.com/office/drawing/2010/main" Requires="a14">
+      <mc:AlternateContent xmlns:mc="http://schemas.openxmlformats.org/markup-compatibility/2006" xmlns:a14="http://schemas.microsoft.com/office/drawing/2010/main">
+        <mc:Choice Requires="a14">
           <p:sp>
             <p:nvSpPr>
               <p:cNvPr id="12" name="TextBox 11">
@@ -6054,7 +6134,7 @@
             </p:txBody>
           </p:sp>
         </mc:Choice>
-        <mc:Fallback>
+        <mc:Fallback xmlns="">
           <p:sp>
             <p:nvSpPr>
               <p:cNvPr id="12" name="TextBox 11">
@@ -6099,8 +6179,8 @@
           </p:sp>
         </mc:Fallback>
       </mc:AlternateContent>
-      <mc:AlternateContent xmlns:mc="http://schemas.openxmlformats.org/markup-compatibility/2006">
-        <mc:Choice xmlns:a14="http://schemas.microsoft.com/office/drawing/2010/main" Requires="a14">
+      <mc:AlternateContent xmlns:mc="http://schemas.openxmlformats.org/markup-compatibility/2006" xmlns:a14="http://schemas.microsoft.com/office/drawing/2010/main">
+        <mc:Choice Requires="a14">
           <p:sp>
             <p:nvSpPr>
               <p:cNvPr id="13" name="TextBox 12">
@@ -6185,7 +6265,7 @@
             </p:txBody>
           </p:sp>
         </mc:Choice>
-        <mc:Fallback>
+        <mc:Fallback xmlns="">
           <p:sp>
             <p:nvSpPr>
               <p:cNvPr id="13" name="TextBox 12">
@@ -6282,8 +6362,8 @@
         </p:blipFill>
         <p:spPr>
           <a:xfrm>
-            <a:off x="399977" y="3070236"/>
-            <a:ext cx="4638675" cy="2419350"/>
+            <a:off x="572679" y="2883692"/>
+            <a:ext cx="4285316" cy="2662847"/>
           </a:xfrm>
           <a:prstGeom prst="rect">
             <a:avLst/>
@@ -6599,7 +6679,7 @@
         <p:spPr>
           <a:xfrm>
             <a:off x="8696645" y="3284113"/>
-            <a:ext cx="1282" cy="2556455"/>
+            <a:ext cx="0" cy="2150772"/>
           </a:xfrm>
           <a:prstGeom prst="line">
             <a:avLst/>
@@ -6645,8 +6725,8 @@
         </p:nvCxnSpPr>
         <p:spPr>
           <a:xfrm flipH="1">
-            <a:off x="8192370" y="3284113"/>
-            <a:ext cx="16111" cy="2556455"/>
+            <a:off x="8203589" y="3284113"/>
+            <a:ext cx="4894" cy="2150772"/>
           </a:xfrm>
           <a:prstGeom prst="line">
             <a:avLst/>
@@ -6693,7 +6773,7 @@
         <p:spPr>
           <a:xfrm>
             <a:off x="9300692" y="2962141"/>
-            <a:ext cx="0" cy="2830131"/>
+            <a:ext cx="0" cy="2472744"/>
           </a:xfrm>
           <a:prstGeom prst="line">
             <a:avLst/>
@@ -7084,8 +7164,8 @@
         </p:nvCxnSpPr>
         <p:spPr>
           <a:xfrm flipV="1">
-            <a:off x="7151494" y="4907644"/>
-            <a:ext cx="3466972" cy="12086"/>
+            <a:off x="7151494" y="4888639"/>
+            <a:ext cx="3466973" cy="31092"/>
           </a:xfrm>
           <a:prstGeom prst="line">
             <a:avLst/>
@@ -7128,7 +7208,7 @@
         <p:spPr>
           <a:xfrm>
             <a:off x="8071598" y="3284113"/>
-            <a:ext cx="1542" cy="2556456"/>
+            <a:ext cx="16" cy="2150772"/>
           </a:xfrm>
           <a:prstGeom prst="line">
             <a:avLst/>
@@ -7373,111 +7453,246 @@
           </a:fontRef>
         </p:style>
       </p:cxnSp>
-      <p:sp>
-        <p:nvSpPr>
-          <p:cNvPr id="75" name="TextBox 74">
-            <a:extLst>
-              <a:ext uri="{FF2B5EF4-FFF2-40B4-BE49-F238E27FC236}">
-                <a16:creationId xmlns:a16="http://schemas.microsoft.com/office/drawing/2014/main" id="{7C409B98-D42B-40DE-8382-6AD3BD8531BF}"/>
-              </a:ext>
-            </a:extLst>
-          </p:cNvPr>
-          <p:cNvSpPr txBox="1"/>
-          <p:nvPr/>
-        </p:nvSpPr>
-        <p:spPr>
-          <a:xfrm>
-            <a:off x="6633658" y="3526596"/>
-            <a:ext cx="485763" cy="369332"/>
-          </a:xfrm>
-          <a:prstGeom prst="rect">
-            <a:avLst/>
-          </a:prstGeom>
-          <a:noFill/>
-        </p:spPr>
-        <p:txBody>
-          <a:bodyPr wrap="square" rtlCol="0">
-            <a:spAutoFit/>
-          </a:bodyPr>
-          <a:lstStyle/>
-          <a:p>
-            <a:r>
-              <a:rPr lang="en-US" dirty="0"/>
-              <a:t>S1</a:t>
-            </a:r>
-          </a:p>
-        </p:txBody>
-      </p:sp>
-      <p:sp>
-        <p:nvSpPr>
-          <p:cNvPr id="76" name="TextBox 75">
-            <a:extLst>
-              <a:ext uri="{FF2B5EF4-FFF2-40B4-BE49-F238E27FC236}">
-                <a16:creationId xmlns:a16="http://schemas.microsoft.com/office/drawing/2014/main" id="{E542A1CB-5758-49FF-A2BE-5F42806EBFDC}"/>
-              </a:ext>
-            </a:extLst>
-          </p:cNvPr>
-          <p:cNvSpPr txBox="1"/>
-          <p:nvPr/>
-        </p:nvSpPr>
-        <p:spPr>
-          <a:xfrm>
-            <a:off x="6624685" y="4003448"/>
-            <a:ext cx="485763" cy="369332"/>
-          </a:xfrm>
-          <a:prstGeom prst="rect">
-            <a:avLst/>
-          </a:prstGeom>
-          <a:noFill/>
-        </p:spPr>
-        <p:txBody>
-          <a:bodyPr wrap="square" rtlCol="0">
-            <a:spAutoFit/>
-          </a:bodyPr>
-          <a:lstStyle/>
-          <a:p>
-            <a:r>
-              <a:rPr lang="en-US" dirty="0"/>
-              <a:t>S2</a:t>
-            </a:r>
-          </a:p>
-        </p:txBody>
-      </p:sp>
-      <p:sp>
-        <p:nvSpPr>
-          <p:cNvPr id="77" name="TextBox 76">
-            <a:extLst>
-              <a:ext uri="{FF2B5EF4-FFF2-40B4-BE49-F238E27FC236}">
-                <a16:creationId xmlns:a16="http://schemas.microsoft.com/office/drawing/2014/main" id="{8F774E37-559C-46B5-B619-26BA3863C6E0}"/>
-              </a:ext>
-            </a:extLst>
-          </p:cNvPr>
-          <p:cNvSpPr txBox="1"/>
-          <p:nvPr/>
-        </p:nvSpPr>
-        <p:spPr>
-          <a:xfrm>
-            <a:off x="10618466" y="4722978"/>
-            <a:ext cx="485763" cy="369332"/>
-          </a:xfrm>
-          <a:prstGeom prst="rect">
-            <a:avLst/>
-          </a:prstGeom>
-          <a:noFill/>
-        </p:spPr>
-        <p:txBody>
-          <a:bodyPr wrap="square" rtlCol="0">
-            <a:spAutoFit/>
-          </a:bodyPr>
-          <a:lstStyle/>
-          <a:p>
-            <a:r>
-              <a:rPr lang="en-US" dirty="0"/>
-              <a:t>IL</a:t>
-            </a:r>
-          </a:p>
-        </p:txBody>
-      </p:sp>
+      <mc:AlternateContent xmlns:mc="http://schemas.openxmlformats.org/markup-compatibility/2006">
+        <mc:Choice xmlns:a14="http://schemas.microsoft.com/office/drawing/2010/main" Requires="a14">
+          <p:sp>
+            <p:nvSpPr>
+              <p:cNvPr id="75" name="TextBox 74">
+                <a:extLst>
+                  <a:ext uri="{FF2B5EF4-FFF2-40B4-BE49-F238E27FC236}">
+                    <a16:creationId xmlns:a16="http://schemas.microsoft.com/office/drawing/2014/main" id="{7C409B98-D42B-40DE-8382-6AD3BD8531BF}"/>
+                  </a:ext>
+                </a:extLst>
+              </p:cNvPr>
+              <p:cNvSpPr txBox="1"/>
+              <p:nvPr/>
+            </p:nvSpPr>
+            <p:spPr>
+              <a:xfrm>
+                <a:off x="6633658" y="3526596"/>
+                <a:ext cx="485763" cy="338554"/>
+              </a:xfrm>
+              <a:prstGeom prst="rect">
+                <a:avLst/>
+              </a:prstGeom>
+              <a:noFill/>
+            </p:spPr>
+            <p:txBody>
+              <a:bodyPr wrap="square" rtlCol="0">
+                <a:spAutoFit/>
+              </a:bodyPr>
+              <a:lstStyle/>
+              <a:p>
+                <a14:m>
+                  <m:oMathPara xmlns:m="http://schemas.openxmlformats.org/officeDocument/2006/math">
+                    <m:oMathParaPr>
+                      <m:jc m:val="centerGroup"/>
+                    </m:oMathParaPr>
+                    <m:oMath xmlns:m="http://schemas.openxmlformats.org/officeDocument/2006/math">
+                      <m:sSub>
+                        <m:sSubPr>
+                          <m:ctrlPr>
+                            <a:rPr lang="en-US" sz="1600" b="0" i="1" dirty="0" smtClean="0">
+                              <a:latin typeface="Cambria Math" panose="02040503050406030204" pitchFamily="18" charset="0"/>
+                              <a:cs typeface="Times New Roman" panose="02020603050405020304" pitchFamily="18" charset="0"/>
+                            </a:rPr>
+                          </m:ctrlPr>
+                        </m:sSubPr>
+                        <m:e>
+                          <m:r>
+                            <a:rPr lang="en-US" sz="1600" i="1" dirty="0" smtClean="0">
+                              <a:latin typeface="Cambria Math" panose="02040503050406030204" pitchFamily="18" charset="0"/>
+                              <a:cs typeface="Times New Roman" panose="02020603050405020304" pitchFamily="18" charset="0"/>
+                            </a:rPr>
+                            <m:t>𝑆</m:t>
+                          </m:r>
+                        </m:e>
+                        <m:sub>
+                          <m:r>
+                            <a:rPr lang="en-US" sz="1600" b="0" i="1" dirty="0" smtClean="0">
+                              <a:latin typeface="Cambria Math" panose="02040503050406030204" pitchFamily="18" charset="0"/>
+                              <a:cs typeface="Times New Roman" panose="02020603050405020304" pitchFamily="18" charset="0"/>
+                            </a:rPr>
+                            <m:t>1</m:t>
+                          </m:r>
+                        </m:sub>
+                      </m:sSub>
+                    </m:oMath>
+                  </m:oMathPara>
+                </a14:m>
+                <a:endParaRPr lang="en-US" sz="1600" dirty="0">
+                  <a:latin typeface="Times New Roman" panose="02020603050405020304" pitchFamily="18" charset="0"/>
+                  <a:cs typeface="Times New Roman" panose="02020603050405020304" pitchFamily="18" charset="0"/>
+                </a:endParaRPr>
+              </a:p>
+            </p:txBody>
+          </p:sp>
+        </mc:Choice>
+        <mc:Fallback>
+          <p:sp>
+            <p:nvSpPr>
+              <p:cNvPr id="75" name="TextBox 74">
+                <a:extLst>
+                  <a:ext uri="{FF2B5EF4-FFF2-40B4-BE49-F238E27FC236}">
+                    <a16:creationId xmlns:a16="http://schemas.microsoft.com/office/drawing/2014/main" id="{7C409B98-D42B-40DE-8382-6AD3BD8531BF}"/>
+                  </a:ext>
+                </a:extLst>
+              </p:cNvPr>
+              <p:cNvSpPr txBox="1">
+                <a:spLocks noRot="1" noChangeAspect="1" noMove="1" noResize="1" noEditPoints="1" noAdjustHandles="1" noChangeArrowheads="1" noChangeShapeType="1" noTextEdit="1"/>
+              </p:cNvSpPr>
+              <p:nvPr/>
+            </p:nvSpPr>
+            <p:spPr>
+              <a:xfrm>
+                <a:off x="6633658" y="3526596"/>
+                <a:ext cx="485763" cy="338554"/>
+              </a:xfrm>
+              <a:prstGeom prst="rect">
+                <a:avLst/>
+              </a:prstGeom>
+              <a:blipFill>
+                <a:blip r:embed="rId4"/>
+                <a:stretch>
+                  <a:fillRect/>
+                </a:stretch>
+              </a:blipFill>
+            </p:spPr>
+            <p:txBody>
+              <a:bodyPr/>
+              <a:lstStyle/>
+              <a:p>
+                <a:r>
+                  <a:rPr lang="en-US">
+                    <a:noFill/>
+                  </a:rPr>
+                  <a:t> </a:t>
+                </a:r>
+              </a:p>
+            </p:txBody>
+          </p:sp>
+        </mc:Fallback>
+      </mc:AlternateContent>
+      <mc:AlternateContent xmlns:mc="http://schemas.openxmlformats.org/markup-compatibility/2006">
+        <mc:Choice xmlns:a14="http://schemas.microsoft.com/office/drawing/2010/main" Requires="a14">
+          <p:sp>
+            <p:nvSpPr>
+              <p:cNvPr id="77" name="TextBox 76">
+                <a:extLst>
+                  <a:ext uri="{FF2B5EF4-FFF2-40B4-BE49-F238E27FC236}">
+                    <a16:creationId xmlns:a16="http://schemas.microsoft.com/office/drawing/2014/main" id="{8F774E37-559C-46B5-B619-26BA3863C6E0}"/>
+                  </a:ext>
+                </a:extLst>
+              </p:cNvPr>
+              <p:cNvSpPr txBox="1"/>
+              <p:nvPr/>
+            </p:nvSpPr>
+            <p:spPr>
+              <a:xfrm>
+                <a:off x="10618467" y="4719362"/>
+                <a:ext cx="382325" cy="338554"/>
+              </a:xfrm>
+              <a:prstGeom prst="rect">
+                <a:avLst/>
+              </a:prstGeom>
+              <a:noFill/>
+            </p:spPr>
+            <p:txBody>
+              <a:bodyPr wrap="square" rtlCol="0">
+                <a:spAutoFit/>
+              </a:bodyPr>
+              <a:lstStyle/>
+              <a:p>
+                <a14:m>
+                  <m:oMathPara xmlns:m="http://schemas.openxmlformats.org/officeDocument/2006/math">
+                    <m:oMathParaPr>
+                      <m:jc m:val="centerGroup"/>
+                    </m:oMathParaPr>
+                    <m:oMath xmlns:m="http://schemas.openxmlformats.org/officeDocument/2006/math">
+                      <m:sSub>
+                        <m:sSubPr>
+                          <m:ctrlPr>
+                            <a:rPr lang="en-US" sz="1600" b="0" i="1" dirty="0" smtClean="0">
+                              <a:latin typeface="Cambria Math" panose="02040503050406030204" pitchFamily="18" charset="0"/>
+                              <a:cs typeface="Times New Roman" panose="02020603050405020304" pitchFamily="18" charset="0"/>
+                            </a:rPr>
+                          </m:ctrlPr>
+                        </m:sSubPr>
+                        <m:e>
+                          <m:r>
+                            <a:rPr lang="en-US" sz="1600" i="1" dirty="0" smtClean="0">
+                              <a:latin typeface="Cambria Math" panose="02040503050406030204" pitchFamily="18" charset="0"/>
+                              <a:cs typeface="Times New Roman" panose="02020603050405020304" pitchFamily="18" charset="0"/>
+                            </a:rPr>
+                            <m:t>𝐼</m:t>
+                          </m:r>
+                        </m:e>
+                        <m:sub>
+                          <m:r>
+                            <a:rPr lang="en-US" sz="1600" b="0" i="1" dirty="0" smtClean="0">
+                              <a:latin typeface="Cambria Math" panose="02040503050406030204" pitchFamily="18" charset="0"/>
+                              <a:cs typeface="Times New Roman" panose="02020603050405020304" pitchFamily="18" charset="0"/>
+                            </a:rPr>
+                            <m:t>𝐿</m:t>
+                          </m:r>
+                        </m:sub>
+                      </m:sSub>
+                    </m:oMath>
+                  </m:oMathPara>
+                </a14:m>
+                <a:endParaRPr lang="en-US" sz="1600" dirty="0">
+                  <a:latin typeface="Times New Roman" panose="02020603050405020304" pitchFamily="18" charset="0"/>
+                  <a:cs typeface="Times New Roman" panose="02020603050405020304" pitchFamily="18" charset="0"/>
+                </a:endParaRPr>
+              </a:p>
+            </p:txBody>
+          </p:sp>
+        </mc:Choice>
+        <mc:Fallback>
+          <p:sp>
+            <p:nvSpPr>
+              <p:cNvPr id="77" name="TextBox 76">
+                <a:extLst>
+                  <a:ext uri="{FF2B5EF4-FFF2-40B4-BE49-F238E27FC236}">
+                    <a16:creationId xmlns:a16="http://schemas.microsoft.com/office/drawing/2014/main" id="{8F774E37-559C-46B5-B619-26BA3863C6E0}"/>
+                  </a:ext>
+                </a:extLst>
+              </p:cNvPr>
+              <p:cNvSpPr txBox="1">
+                <a:spLocks noRot="1" noChangeAspect="1" noMove="1" noResize="1" noEditPoints="1" noAdjustHandles="1" noChangeArrowheads="1" noChangeShapeType="1" noTextEdit="1"/>
+              </p:cNvSpPr>
+              <p:nvPr/>
+            </p:nvSpPr>
+            <p:spPr>
+              <a:xfrm>
+                <a:off x="10618467" y="4719362"/>
+                <a:ext cx="382325" cy="338554"/>
+              </a:xfrm>
+              <a:prstGeom prst="rect">
+                <a:avLst/>
+              </a:prstGeom>
+              <a:blipFill>
+                <a:blip r:embed="rId5"/>
+                <a:stretch>
+                  <a:fillRect/>
+                </a:stretch>
+              </a:blipFill>
+            </p:spPr>
+            <p:txBody>
+              <a:bodyPr/>
+              <a:lstStyle/>
+              <a:p>
+                <a:r>
+                  <a:rPr lang="en-US">
+                    <a:noFill/>
+                  </a:rPr>
+                  <a:t> </a:t>
+                </a:r>
+              </a:p>
+            </p:txBody>
+          </p:sp>
+        </mc:Fallback>
+      </mc:AlternateContent>
       <p:cxnSp>
         <p:nvCxnSpPr>
           <p:cNvPr id="91" name="Straight Arrow Connector 90">
@@ -7525,41 +7740,126 @@
           </a:fontRef>
         </p:style>
       </p:cxnSp>
-      <p:sp>
-        <p:nvSpPr>
-          <p:cNvPr id="103" name="TextBox 102">
-            <a:extLst>
-              <a:ext uri="{FF2B5EF4-FFF2-40B4-BE49-F238E27FC236}">
-                <a16:creationId xmlns:a16="http://schemas.microsoft.com/office/drawing/2014/main" id="{004789BE-23A2-492B-AA79-AC753A4B714A}"/>
-              </a:ext>
-            </a:extLst>
-          </p:cNvPr>
-          <p:cNvSpPr txBox="1"/>
-          <p:nvPr/>
-        </p:nvSpPr>
-        <p:spPr>
-          <a:xfrm>
-            <a:off x="8146729" y="2700904"/>
-            <a:ext cx="485763" cy="369332"/>
-          </a:xfrm>
-          <a:prstGeom prst="rect">
-            <a:avLst/>
-          </a:prstGeom>
-          <a:noFill/>
-        </p:spPr>
-        <p:txBody>
-          <a:bodyPr wrap="square" rtlCol="0">
-            <a:spAutoFit/>
-          </a:bodyPr>
-          <a:lstStyle/>
-          <a:p>
-            <a:r>
-              <a:rPr lang="en-US" dirty="0"/>
-              <a:t>Ts</a:t>
-            </a:r>
-          </a:p>
-        </p:txBody>
-      </p:sp>
+      <mc:AlternateContent xmlns:mc="http://schemas.openxmlformats.org/markup-compatibility/2006">
+        <mc:Choice xmlns:a14="http://schemas.microsoft.com/office/drawing/2010/main" Requires="a14">
+          <p:sp>
+            <p:nvSpPr>
+              <p:cNvPr id="103" name="TextBox 102">
+                <a:extLst>
+                  <a:ext uri="{FF2B5EF4-FFF2-40B4-BE49-F238E27FC236}">
+                    <a16:creationId xmlns:a16="http://schemas.microsoft.com/office/drawing/2014/main" id="{004789BE-23A2-492B-AA79-AC753A4B714A}"/>
+                  </a:ext>
+                </a:extLst>
+              </p:cNvPr>
+              <p:cNvSpPr txBox="1"/>
+              <p:nvPr/>
+            </p:nvSpPr>
+            <p:spPr>
+              <a:xfrm>
+                <a:off x="8146729" y="2700904"/>
+                <a:ext cx="653872" cy="338554"/>
+              </a:xfrm>
+              <a:prstGeom prst="rect">
+                <a:avLst/>
+              </a:prstGeom>
+              <a:noFill/>
+            </p:spPr>
+            <p:txBody>
+              <a:bodyPr wrap="square" rtlCol="0">
+                <a:spAutoFit/>
+              </a:bodyPr>
+              <a:lstStyle/>
+              <a:p>
+                <a14:m>
+                  <m:oMathPara xmlns:m="http://schemas.openxmlformats.org/officeDocument/2006/math">
+                    <m:oMathParaPr>
+                      <m:jc m:val="centerGroup"/>
+                    </m:oMathParaPr>
+                    <m:oMath xmlns:m="http://schemas.openxmlformats.org/officeDocument/2006/math">
+                      <m:sSub>
+                        <m:sSubPr>
+                          <m:ctrlPr>
+                            <a:rPr lang="en-US" sz="1600" i="1" dirty="0" smtClean="0">
+                              <a:latin typeface="Cambria Math" panose="02040503050406030204" pitchFamily="18" charset="0"/>
+                              <a:cs typeface="Times New Roman" panose="02020603050405020304" pitchFamily="18" charset="0"/>
+                            </a:rPr>
+                          </m:ctrlPr>
+                        </m:sSubPr>
+                        <m:e>
+                          <m:r>
+                            <a:rPr lang="en-US" sz="1600" i="1" dirty="0" smtClean="0">
+                              <a:latin typeface="Cambria Math" panose="02040503050406030204" pitchFamily="18" charset="0"/>
+                              <a:cs typeface="Times New Roman" panose="02020603050405020304" pitchFamily="18" charset="0"/>
+                            </a:rPr>
+                            <m:t>𝑇</m:t>
+                          </m:r>
+                        </m:e>
+                        <m:sub>
+                          <m:r>
+                            <a:rPr lang="en-US" sz="1600" i="1" dirty="0" smtClean="0">
+                              <a:latin typeface="Cambria Math" panose="02040503050406030204" pitchFamily="18" charset="0"/>
+                              <a:cs typeface="Times New Roman" panose="02020603050405020304" pitchFamily="18" charset="0"/>
+                            </a:rPr>
+                            <m:t>𝑠</m:t>
+                          </m:r>
+                        </m:sub>
+                      </m:sSub>
+                    </m:oMath>
+                  </m:oMathPara>
+                </a14:m>
+                <a:endParaRPr lang="en-US" sz="1600" dirty="0">
+                  <a:latin typeface="Times New Roman" panose="02020603050405020304" pitchFamily="18" charset="0"/>
+                  <a:cs typeface="Times New Roman" panose="02020603050405020304" pitchFamily="18" charset="0"/>
+                </a:endParaRPr>
+              </a:p>
+            </p:txBody>
+          </p:sp>
+        </mc:Choice>
+        <mc:Fallback>
+          <p:sp>
+            <p:nvSpPr>
+              <p:cNvPr id="103" name="TextBox 102">
+                <a:extLst>
+                  <a:ext uri="{FF2B5EF4-FFF2-40B4-BE49-F238E27FC236}">
+                    <a16:creationId xmlns:a16="http://schemas.microsoft.com/office/drawing/2014/main" id="{004789BE-23A2-492B-AA79-AC753A4B714A}"/>
+                  </a:ext>
+                </a:extLst>
+              </p:cNvPr>
+              <p:cNvSpPr txBox="1">
+                <a:spLocks noRot="1" noChangeAspect="1" noMove="1" noResize="1" noEditPoints="1" noAdjustHandles="1" noChangeArrowheads="1" noChangeShapeType="1" noTextEdit="1"/>
+              </p:cNvSpPr>
+              <p:nvPr/>
+            </p:nvSpPr>
+            <p:spPr>
+              <a:xfrm>
+                <a:off x="8146729" y="2700904"/>
+                <a:ext cx="653872" cy="338554"/>
+              </a:xfrm>
+              <a:prstGeom prst="rect">
+                <a:avLst/>
+              </a:prstGeom>
+              <a:blipFill>
+                <a:blip r:embed="rId6"/>
+                <a:stretch>
+                  <a:fillRect/>
+                </a:stretch>
+              </a:blipFill>
+            </p:spPr>
+            <p:txBody>
+              <a:bodyPr/>
+              <a:lstStyle/>
+              <a:p>
+                <a:r>
+                  <a:rPr lang="en-US">
+                    <a:noFill/>
+                  </a:rPr>
+                  <a:t> </a:t>
+                </a:r>
+              </a:p>
+            </p:txBody>
+          </p:sp>
+        </mc:Fallback>
+      </mc:AlternateContent>
       <p:cxnSp>
         <p:nvCxnSpPr>
           <p:cNvPr id="104" name="Straight Arrow Connector 103">
@@ -7624,7 +7924,7 @@
             <p:spPr>
               <a:xfrm>
                 <a:off x="7239795" y="3165955"/>
-                <a:ext cx="796435" cy="276999"/>
+                <a:ext cx="681404" cy="246221"/>
               </a:xfrm>
               <a:prstGeom prst="rect">
                 <a:avLst/>
@@ -7636,6 +7936,7 @@
               </a:bodyPr>
               <a:lstStyle/>
               <a:p>
+                <a:pPr/>
                 <a14:m>
                   <m:oMathPara xmlns:m="http://schemas.openxmlformats.org/officeDocument/2006/math">
                     <m:oMathParaPr>
@@ -7643,37 +7944,43 @@
                     </m:oMathParaPr>
                     <m:oMath xmlns:m="http://schemas.openxmlformats.org/officeDocument/2006/math">
                       <m:r>
-                        <a:rPr lang="en-US" sz="1200" b="1" i="1" smtClean="0">
+                        <a:rPr lang="en-US" sz="1000" b="0" i="1" smtClean="0">
                           <a:latin typeface="Cambria Math" panose="02040503050406030204" pitchFamily="18" charset="0"/>
                         </a:rPr>
                         <m:t> </m:t>
                       </m:r>
                       <m:r>
-                        <a:rPr lang="en-US" sz="1200" b="1" i="0" smtClean="0">
+                        <m:rPr>
+                          <m:sty m:val="p"/>
+                        </m:rPr>
+                        <a:rPr lang="en-US" sz="1000" b="0" i="0" smtClean="0">
                           <a:latin typeface="Cambria Math" panose="02040503050406030204" pitchFamily="18" charset="0"/>
                         </a:rPr>
-                        <m:t>𝐃</m:t>
+                        <m:t>D</m:t>
                       </m:r>
                       <m:r>
-                        <a:rPr lang="en-US" sz="1200" b="1" i="0" smtClean="0">
+                        <a:rPr lang="en-US" sz="1000" b="0" i="0" smtClean="0">
                           <a:latin typeface="Cambria Math" panose="02040503050406030204" pitchFamily="18" charset="0"/>
                         </a:rPr>
                         <m:t>+</m:t>
                       </m:r>
                       <m:r>
-                        <a:rPr lang="en-US" sz="1200" b="1" i="0" smtClean="0">
+                        <m:rPr>
+                          <m:sty m:val="p"/>
+                        </m:rPr>
+                        <a:rPr lang="en-US" sz="1000" b="0" i="0" smtClean="0">
                           <a:latin typeface="Cambria Math" panose="02040503050406030204" pitchFamily="18" charset="0"/>
                         </a:rPr>
-                        <m:t>𝚫</m:t>
+                        <m:t>Δ</m:t>
                       </m:r>
                       <m:r>
-                        <a:rPr lang="en-US" sz="1200" b="1" i="1" smtClean="0">
+                        <a:rPr lang="en-US" sz="1000" b="0" i="1" smtClean="0">
                           <a:latin typeface="Cambria Math" panose="02040503050406030204" pitchFamily="18" charset="0"/>
                         </a:rPr>
-                        <m:t>𝑫</m:t>
+                        <m:t>𝐷</m:t>
                       </m:r>
                       <m:r>
-                        <a:rPr lang="en-US" sz="1200" b="1" i="1" smtClean="0">
+                        <a:rPr lang="en-US" sz="1000" b="0" i="1" smtClean="0">
                           <a:latin typeface="Cambria Math" panose="02040503050406030204" pitchFamily="18" charset="0"/>
                         </a:rPr>
                         <m:t> </m:t>
@@ -7681,7 +7988,10 @@
                     </m:oMath>
                   </m:oMathPara>
                 </a14:m>
-                <a:endParaRPr lang="en-US" sz="1200" b="1" dirty="0"/>
+                <a:endParaRPr lang="en-US" sz="1000" dirty="0">
+                  <a:latin typeface="Times New Roman" panose="02020603050405020304" pitchFamily="18" charset="0"/>
+                  <a:cs typeface="Times New Roman" panose="02020603050405020304" pitchFamily="18" charset="0"/>
+                </a:endParaRPr>
               </a:p>
             </p:txBody>
           </p:sp>
@@ -7704,13 +8014,13 @@
             <p:spPr>
               <a:xfrm>
                 <a:off x="7239795" y="3165955"/>
-                <a:ext cx="796435" cy="276999"/>
+                <a:ext cx="681404" cy="246221"/>
               </a:xfrm>
               <a:prstGeom prst="rect">
                 <a:avLst/>
               </a:prstGeom>
               <a:blipFill>
-                <a:blip r:embed="rId4"/>
+                <a:blip r:embed="rId7"/>
                 <a:stretch>
                   <a:fillRect/>
                 </a:stretch>
@@ -7747,8 +8057,8 @@
             </p:nvSpPr>
             <p:spPr>
               <a:xfrm>
-                <a:off x="8113188" y="3207089"/>
-                <a:ext cx="696857" cy="246221"/>
+                <a:off x="8107776" y="3158469"/>
+                <a:ext cx="681405" cy="246221"/>
               </a:xfrm>
               <a:prstGeom prst="rect">
                 <a:avLst/>
@@ -7760,6 +8070,7 @@
               </a:bodyPr>
               <a:lstStyle/>
               <a:p>
+                <a:pPr/>
                 <a14:m>
                   <m:oMathPara xmlns:m="http://schemas.openxmlformats.org/officeDocument/2006/math">
                     <m:oMathParaPr>
@@ -7767,37 +8078,43 @@
                     </m:oMathParaPr>
                     <m:oMath xmlns:m="http://schemas.openxmlformats.org/officeDocument/2006/math">
                       <m:r>
-                        <a:rPr lang="en-US" sz="1000" b="1" i="1" smtClean="0">
+                        <a:rPr lang="en-US" sz="1000" b="0" i="1" smtClean="0">
                           <a:latin typeface="Cambria Math" panose="02040503050406030204" pitchFamily="18" charset="0"/>
                         </a:rPr>
                         <m:t> </m:t>
                       </m:r>
                       <m:r>
-                        <a:rPr lang="en-US" sz="1000" b="1" i="0" smtClean="0">
+                        <m:rPr>
+                          <m:sty m:val="p"/>
+                        </m:rPr>
+                        <a:rPr lang="en-US" sz="1000" b="0" i="0" smtClean="0">
                           <a:latin typeface="Cambria Math" panose="02040503050406030204" pitchFamily="18" charset="0"/>
                         </a:rPr>
-                        <m:t>𝐃</m:t>
+                        <m:t>D</m:t>
                       </m:r>
                       <m:r>
-                        <a:rPr lang="en-US" sz="1000" b="1" i="0" smtClean="0">
+                        <a:rPr lang="en-US" sz="1000" b="0" i="0" smtClean="0">
                           <a:latin typeface="Cambria Math" panose="02040503050406030204" pitchFamily="18" charset="0"/>
                         </a:rPr>
                         <m:t>−</m:t>
                       </m:r>
                       <m:r>
-                        <a:rPr lang="en-US" sz="1000" b="1" i="0" smtClean="0">
+                        <m:rPr>
+                          <m:sty m:val="p"/>
+                        </m:rPr>
+                        <a:rPr lang="en-US" sz="1000" b="0" i="0" smtClean="0">
                           <a:latin typeface="Cambria Math" panose="02040503050406030204" pitchFamily="18" charset="0"/>
                         </a:rPr>
-                        <m:t>𝚫</m:t>
+                        <m:t>Δ</m:t>
                       </m:r>
                       <m:r>
-                        <a:rPr lang="en-US" sz="1000" b="1" i="1" smtClean="0">
+                        <a:rPr lang="en-US" sz="1000" b="0" i="1" smtClean="0">
                           <a:latin typeface="Cambria Math" panose="02040503050406030204" pitchFamily="18" charset="0"/>
                         </a:rPr>
-                        <m:t>𝑫</m:t>
+                        <m:t>𝐷</m:t>
                       </m:r>
                       <m:r>
-                        <a:rPr lang="en-US" sz="1000" b="1" i="1" smtClean="0">
+                        <a:rPr lang="en-US" sz="1000" b="0" i="1" smtClean="0">
                           <a:latin typeface="Cambria Math" panose="02040503050406030204" pitchFamily="18" charset="0"/>
                         </a:rPr>
                         <m:t> </m:t>
@@ -7805,7 +8122,10 @@
                     </m:oMath>
                   </m:oMathPara>
                 </a14:m>
-                <a:endParaRPr lang="en-US" sz="1050" b="1" dirty="0"/>
+                <a:endParaRPr lang="en-US" sz="1000" dirty="0">
+                  <a:latin typeface="Times New Roman" panose="02020603050405020304" pitchFamily="18" charset="0"/>
+                  <a:cs typeface="Times New Roman" panose="02020603050405020304" pitchFamily="18" charset="0"/>
+                </a:endParaRPr>
               </a:p>
             </p:txBody>
           </p:sp>
@@ -7827,14 +8147,14 @@
             </p:nvSpPr>
             <p:spPr>
               <a:xfrm>
-                <a:off x="8113188" y="3207089"/>
-                <a:ext cx="696857" cy="246221"/>
+                <a:off x="8107776" y="3158469"/>
+                <a:ext cx="681405" cy="246221"/>
               </a:xfrm>
               <a:prstGeom prst="rect">
                 <a:avLst/>
               </a:prstGeom>
               <a:blipFill>
-                <a:blip r:embed="rId5"/>
+                <a:blip r:embed="rId8"/>
                 <a:stretch>
                   <a:fillRect/>
                 </a:stretch>
@@ -7996,146 +8316,232 @@
           </a:fontRef>
         </p:style>
       </p:cxnSp>
-      <p:sp>
-        <p:nvSpPr>
-          <p:cNvPr id="115" name="TextBox 114">
-            <a:extLst>
-              <a:ext uri="{FF2B5EF4-FFF2-40B4-BE49-F238E27FC236}">
-                <a16:creationId xmlns:a16="http://schemas.microsoft.com/office/drawing/2014/main" id="{CEE7EEC2-5180-4F57-A1C1-222E7C2F54ED}"/>
-              </a:ext>
-            </a:extLst>
-          </p:cNvPr>
-          <p:cNvSpPr txBox="1"/>
-          <p:nvPr/>
-        </p:nvSpPr>
-        <p:spPr>
-          <a:xfrm>
-            <a:off x="9919605" y="5250219"/>
-            <a:ext cx="485763" cy="369332"/>
-          </a:xfrm>
-          <a:prstGeom prst="rect">
-            <a:avLst/>
-          </a:prstGeom>
-          <a:noFill/>
-        </p:spPr>
-        <p:txBody>
-          <a:bodyPr wrap="square" rtlCol="0">
-            <a:spAutoFit/>
-          </a:bodyPr>
-          <a:lstStyle/>
-          <a:p>
-            <a:r>
-              <a:rPr lang="en-US" dirty="0"/>
-              <a:t>t</a:t>
-            </a:r>
-          </a:p>
-        </p:txBody>
-      </p:sp>
-      <p:sp>
-        <p:nvSpPr>
-          <p:cNvPr id="116" name="TextBox 115">
-            <a:extLst>
-              <a:ext uri="{FF2B5EF4-FFF2-40B4-BE49-F238E27FC236}">
-                <a16:creationId xmlns:a16="http://schemas.microsoft.com/office/drawing/2014/main" id="{57432E85-824B-4809-8B3E-BC6486C18BDD}"/>
-              </a:ext>
-            </a:extLst>
-          </p:cNvPr>
-          <p:cNvSpPr txBox="1"/>
-          <p:nvPr/>
-        </p:nvSpPr>
-        <p:spPr>
-          <a:xfrm>
-            <a:off x="9919605" y="4205179"/>
-            <a:ext cx="485763" cy="369332"/>
-          </a:xfrm>
-          <a:prstGeom prst="rect">
-            <a:avLst/>
-          </a:prstGeom>
-          <a:noFill/>
-        </p:spPr>
-        <p:txBody>
-          <a:bodyPr wrap="square" rtlCol="0">
-            <a:spAutoFit/>
-          </a:bodyPr>
-          <a:lstStyle/>
-          <a:p>
-            <a:r>
-              <a:rPr lang="en-US" dirty="0"/>
-              <a:t>t</a:t>
-            </a:r>
-          </a:p>
-        </p:txBody>
-      </p:sp>
-      <p:sp>
-        <p:nvSpPr>
-          <p:cNvPr id="117" name="TextBox 116">
-            <a:extLst>
-              <a:ext uri="{FF2B5EF4-FFF2-40B4-BE49-F238E27FC236}">
-                <a16:creationId xmlns:a16="http://schemas.microsoft.com/office/drawing/2014/main" id="{44928107-4C92-43D3-802F-DE7BA93C9213}"/>
-              </a:ext>
-            </a:extLst>
-          </p:cNvPr>
-          <p:cNvSpPr txBox="1"/>
-          <p:nvPr/>
-        </p:nvSpPr>
-        <p:spPr>
-          <a:xfrm>
-            <a:off x="9934844" y="3651181"/>
-            <a:ext cx="485763" cy="369332"/>
-          </a:xfrm>
-          <a:prstGeom prst="rect">
-            <a:avLst/>
-          </a:prstGeom>
-          <a:noFill/>
-        </p:spPr>
-        <p:txBody>
-          <a:bodyPr wrap="square" rtlCol="0">
-            <a:spAutoFit/>
-          </a:bodyPr>
-          <a:lstStyle/>
-          <a:p>
-            <a:r>
-              <a:rPr lang="en-US" dirty="0"/>
-              <a:t>t</a:t>
-            </a:r>
-          </a:p>
-        </p:txBody>
-      </p:sp>
-      <p:sp>
-        <p:nvSpPr>
-          <p:cNvPr id="118" name="TextBox 117">
-            <a:extLst>
-              <a:ext uri="{FF2B5EF4-FFF2-40B4-BE49-F238E27FC236}">
-                <a16:creationId xmlns:a16="http://schemas.microsoft.com/office/drawing/2014/main" id="{E3B6841B-9938-4FAD-B6E9-3F69ED1C82A7}"/>
-              </a:ext>
-            </a:extLst>
-          </p:cNvPr>
-          <p:cNvSpPr txBox="1"/>
-          <p:nvPr/>
-        </p:nvSpPr>
-        <p:spPr>
-          <a:xfrm>
-            <a:off x="6297159" y="4466000"/>
-            <a:ext cx="979666" cy="276999"/>
-          </a:xfrm>
-          <a:prstGeom prst="rect">
-            <a:avLst/>
-          </a:prstGeom>
-          <a:noFill/>
-        </p:spPr>
-        <p:txBody>
-          <a:bodyPr wrap="square" rtlCol="0">
-            <a:spAutoFit/>
-          </a:bodyPr>
-          <a:lstStyle/>
-          <a:p>
-            <a:r>
-              <a:rPr lang="en-US" sz="1200" b="1" dirty="0"/>
-              <a:t>ILmax2</a:t>
-            </a:r>
-          </a:p>
-        </p:txBody>
-      </p:sp>
+      <mc:AlternateContent xmlns:mc="http://schemas.openxmlformats.org/markup-compatibility/2006">
+        <mc:Choice xmlns:a14="http://schemas.microsoft.com/office/drawing/2010/main" Requires="a14">
+          <p:sp>
+            <p:nvSpPr>
+              <p:cNvPr id="117" name="TextBox 116">
+                <a:extLst>
+                  <a:ext uri="{FF2B5EF4-FFF2-40B4-BE49-F238E27FC236}">
+                    <a16:creationId xmlns:a16="http://schemas.microsoft.com/office/drawing/2014/main" id="{44928107-4C92-43D3-802F-DE7BA93C9213}"/>
+                  </a:ext>
+                </a:extLst>
+              </p:cNvPr>
+              <p:cNvSpPr txBox="1"/>
+              <p:nvPr/>
+            </p:nvSpPr>
+            <p:spPr>
+              <a:xfrm>
+                <a:off x="9828881" y="3646504"/>
+                <a:ext cx="485763" cy="338554"/>
+              </a:xfrm>
+              <a:prstGeom prst="rect">
+                <a:avLst/>
+              </a:prstGeom>
+              <a:noFill/>
+            </p:spPr>
+            <p:txBody>
+              <a:bodyPr wrap="square" rtlCol="0">
+                <a:spAutoFit/>
+              </a:bodyPr>
+              <a:lstStyle/>
+              <a:p>
+                <a14:m>
+                  <m:oMathPara xmlns:m="http://schemas.openxmlformats.org/officeDocument/2006/math">
+                    <m:oMathParaPr>
+                      <m:jc m:val="centerGroup"/>
+                    </m:oMathParaPr>
+                    <m:oMath xmlns:m="http://schemas.openxmlformats.org/officeDocument/2006/math">
+                      <m:r>
+                        <a:rPr lang="en-US" sz="1600" i="1" dirty="0" smtClean="0">
+                          <a:latin typeface="Cambria Math" panose="02040503050406030204" pitchFamily="18" charset="0"/>
+                          <a:cs typeface="Times New Roman" panose="02020603050405020304" pitchFamily="18" charset="0"/>
+                        </a:rPr>
+                        <m:t>𝑡</m:t>
+                      </m:r>
+                    </m:oMath>
+                  </m:oMathPara>
+                </a14:m>
+                <a:endParaRPr lang="en-US" sz="1600" dirty="0">
+                  <a:latin typeface="Times New Roman" panose="02020603050405020304" pitchFamily="18" charset="0"/>
+                  <a:cs typeface="Times New Roman" panose="02020603050405020304" pitchFamily="18" charset="0"/>
+                </a:endParaRPr>
+              </a:p>
+            </p:txBody>
+          </p:sp>
+        </mc:Choice>
+        <mc:Fallback>
+          <p:sp>
+            <p:nvSpPr>
+              <p:cNvPr id="117" name="TextBox 116">
+                <a:extLst>
+                  <a:ext uri="{FF2B5EF4-FFF2-40B4-BE49-F238E27FC236}">
+                    <a16:creationId xmlns:a16="http://schemas.microsoft.com/office/drawing/2014/main" id="{44928107-4C92-43D3-802F-DE7BA93C9213}"/>
+                  </a:ext>
+                </a:extLst>
+              </p:cNvPr>
+              <p:cNvSpPr txBox="1">
+                <a:spLocks noRot="1" noChangeAspect="1" noMove="1" noResize="1" noEditPoints="1" noAdjustHandles="1" noChangeArrowheads="1" noChangeShapeType="1" noTextEdit="1"/>
+              </p:cNvSpPr>
+              <p:nvPr/>
+            </p:nvSpPr>
+            <p:spPr>
+              <a:xfrm>
+                <a:off x="9828881" y="3646504"/>
+                <a:ext cx="485763" cy="338554"/>
+              </a:xfrm>
+              <a:prstGeom prst="rect">
+                <a:avLst/>
+              </a:prstGeom>
+              <a:blipFill>
+                <a:blip r:embed="rId9"/>
+                <a:stretch>
+                  <a:fillRect/>
+                </a:stretch>
+              </a:blipFill>
+            </p:spPr>
+            <p:txBody>
+              <a:bodyPr/>
+              <a:lstStyle/>
+              <a:p>
+                <a:r>
+                  <a:rPr lang="en-US">
+                    <a:noFill/>
+                  </a:rPr>
+                  <a:t> </a:t>
+                </a:r>
+              </a:p>
+            </p:txBody>
+          </p:sp>
+        </mc:Fallback>
+      </mc:AlternateContent>
+      <mc:AlternateContent xmlns:mc="http://schemas.openxmlformats.org/markup-compatibility/2006">
+        <mc:Choice xmlns:a14="http://schemas.microsoft.com/office/drawing/2010/main" Requires="a14">
+          <p:sp>
+            <p:nvSpPr>
+              <p:cNvPr id="118" name="TextBox 117">
+                <a:extLst>
+                  <a:ext uri="{FF2B5EF4-FFF2-40B4-BE49-F238E27FC236}">
+                    <a16:creationId xmlns:a16="http://schemas.microsoft.com/office/drawing/2014/main" id="{E3B6841B-9938-4FAD-B6E9-3F69ED1C82A7}"/>
+                  </a:ext>
+                </a:extLst>
+              </p:cNvPr>
+              <p:cNvSpPr txBox="1"/>
+              <p:nvPr/>
+            </p:nvSpPr>
+            <p:spPr>
+              <a:xfrm>
+                <a:off x="6175769" y="4458135"/>
+                <a:ext cx="979666" cy="338554"/>
+              </a:xfrm>
+              <a:prstGeom prst="rect">
+                <a:avLst/>
+              </a:prstGeom>
+              <a:noFill/>
+            </p:spPr>
+            <p:txBody>
+              <a:bodyPr wrap="square" rtlCol="0">
+                <a:spAutoFit/>
+              </a:bodyPr>
+              <a:lstStyle/>
+              <a:p>
+                <a14:m>
+                  <m:oMathPara xmlns:m="http://schemas.openxmlformats.org/officeDocument/2006/math">
+                    <m:oMathParaPr>
+                      <m:jc m:val="centerGroup"/>
+                    </m:oMathParaPr>
+                    <m:oMath xmlns:m="http://schemas.openxmlformats.org/officeDocument/2006/math">
+                      <m:sSub>
+                        <m:sSubPr>
+                          <m:ctrlPr>
+                            <a:rPr lang="en-US" sz="1600" b="0" i="1" dirty="0" smtClean="0">
+                              <a:latin typeface="Cambria Math" panose="02040503050406030204" pitchFamily="18" charset="0"/>
+                              <a:cs typeface="Times New Roman" panose="02020603050405020304" pitchFamily="18" charset="0"/>
+                            </a:rPr>
+                          </m:ctrlPr>
+                        </m:sSubPr>
+                        <m:e>
+                          <m:r>
+                            <a:rPr lang="en-US" sz="1600" i="1" dirty="0" smtClean="0">
+                              <a:latin typeface="Cambria Math" panose="02040503050406030204" pitchFamily="18" charset="0"/>
+                              <a:cs typeface="Times New Roman" panose="02020603050405020304" pitchFamily="18" charset="0"/>
+                            </a:rPr>
+                            <m:t>𝐼</m:t>
+                          </m:r>
+                        </m:e>
+                        <m:sub>
+                          <m:r>
+                            <a:rPr lang="en-US" sz="1600" i="1" dirty="0">
+                              <a:latin typeface="Cambria Math" panose="02040503050406030204" pitchFamily="18" charset="0"/>
+                              <a:cs typeface="Times New Roman" panose="02020603050405020304" pitchFamily="18" charset="0"/>
+                            </a:rPr>
+                            <m:t>𝐿𝑚𝑎𝑥</m:t>
+                          </m:r>
+                          <m:r>
+                            <a:rPr lang="en-US" sz="1600" i="1" dirty="0">
+                              <a:latin typeface="Cambria Math" panose="02040503050406030204" pitchFamily="18" charset="0"/>
+                              <a:cs typeface="Times New Roman" panose="02020603050405020304" pitchFamily="18" charset="0"/>
+                            </a:rPr>
+                            <m:t>2</m:t>
+                          </m:r>
+                        </m:sub>
+                      </m:sSub>
+                    </m:oMath>
+                  </m:oMathPara>
+                </a14:m>
+                <a:endParaRPr lang="en-US" sz="1600" dirty="0">
+                  <a:latin typeface="Times New Roman" panose="02020603050405020304" pitchFamily="18" charset="0"/>
+                  <a:cs typeface="Times New Roman" panose="02020603050405020304" pitchFamily="18" charset="0"/>
+                </a:endParaRPr>
+              </a:p>
+            </p:txBody>
+          </p:sp>
+        </mc:Choice>
+        <mc:Fallback>
+          <p:sp>
+            <p:nvSpPr>
+              <p:cNvPr id="118" name="TextBox 117">
+                <a:extLst>
+                  <a:ext uri="{FF2B5EF4-FFF2-40B4-BE49-F238E27FC236}">
+                    <a16:creationId xmlns:a16="http://schemas.microsoft.com/office/drawing/2014/main" id="{E3B6841B-9938-4FAD-B6E9-3F69ED1C82A7}"/>
+                  </a:ext>
+                </a:extLst>
+              </p:cNvPr>
+              <p:cNvSpPr txBox="1">
+                <a:spLocks noRot="1" noChangeAspect="1" noMove="1" noResize="1" noEditPoints="1" noAdjustHandles="1" noChangeArrowheads="1" noChangeShapeType="1" noTextEdit="1"/>
+              </p:cNvSpPr>
+              <p:nvPr/>
+            </p:nvSpPr>
+            <p:spPr>
+              <a:xfrm>
+                <a:off x="6175769" y="4458135"/>
+                <a:ext cx="979666" cy="338554"/>
+              </a:xfrm>
+              <a:prstGeom prst="rect">
+                <a:avLst/>
+              </a:prstGeom>
+              <a:blipFill>
+                <a:blip r:embed="rId10"/>
+                <a:stretch>
+                  <a:fillRect/>
+                </a:stretch>
+              </a:blipFill>
+            </p:spPr>
+            <p:txBody>
+              <a:bodyPr/>
+              <a:lstStyle/>
+              <a:p>
+                <a:r>
+                  <a:rPr lang="en-US">
+                    <a:noFill/>
+                  </a:rPr>
+                  <a:t> </a:t>
+                </a:r>
+              </a:p>
+            </p:txBody>
+          </p:sp>
+        </mc:Fallback>
+      </mc:AlternateContent>
       <p:cxnSp>
         <p:nvCxnSpPr>
           <p:cNvPr id="119" name="Straight Connector 118">
@@ -8185,10 +8591,10 @@
       </p:cxnSp>
       <p:sp>
         <p:nvSpPr>
-          <p:cNvPr id="122" name="TextBox 121">
-            <a:extLst>
-              <a:ext uri="{FF2B5EF4-FFF2-40B4-BE49-F238E27FC236}">
-                <a16:creationId xmlns:a16="http://schemas.microsoft.com/office/drawing/2014/main" id="{64420C65-5D0B-4D78-B0FC-957F53A466CA}"/>
+          <p:cNvPr id="125" name="TextBox 124">
+            <a:extLst>
+              <a:ext uri="{FF2B5EF4-FFF2-40B4-BE49-F238E27FC236}">
+                <a16:creationId xmlns:a16="http://schemas.microsoft.com/office/drawing/2014/main" id="{DB37DADA-60BC-4184-8EC5-F67731DE93EB}"/>
               </a:ext>
             </a:extLst>
           </p:cNvPr>
@@ -8197,78 +8603,7 @@
         </p:nvSpPr>
         <p:spPr>
           <a:xfrm>
-            <a:off x="6294999" y="4639747"/>
-            <a:ext cx="979666" cy="276999"/>
-          </a:xfrm>
-          <a:prstGeom prst="rect">
-            <a:avLst/>
-          </a:prstGeom>
-          <a:noFill/>
-        </p:spPr>
-        <p:txBody>
-          <a:bodyPr wrap="square" rtlCol="0">
-            <a:spAutoFit/>
-          </a:bodyPr>
-          <a:lstStyle/>
-          <a:p>
-            <a:r>
-              <a:rPr lang="en-US" sz="1200" b="1" dirty="0"/>
-              <a:t>ILmax1</a:t>
-            </a:r>
-          </a:p>
-        </p:txBody>
-      </p:sp>
-      <p:sp>
-        <p:nvSpPr>
-          <p:cNvPr id="123" name="TextBox 122">
-            <a:extLst>
-              <a:ext uri="{FF2B5EF4-FFF2-40B4-BE49-F238E27FC236}">
-                <a16:creationId xmlns:a16="http://schemas.microsoft.com/office/drawing/2014/main" id="{2BE163F4-E6C5-41E0-B089-C97D0697EF99}"/>
-              </a:ext>
-            </a:extLst>
-          </p:cNvPr>
-          <p:cNvSpPr txBox="1"/>
-          <p:nvPr/>
-        </p:nvSpPr>
-        <p:spPr>
-          <a:xfrm>
-            <a:off x="6327561" y="4995076"/>
-            <a:ext cx="979666" cy="276999"/>
-          </a:xfrm>
-          <a:prstGeom prst="rect">
-            <a:avLst/>
-          </a:prstGeom>
-          <a:noFill/>
-        </p:spPr>
-        <p:txBody>
-          <a:bodyPr wrap="square" rtlCol="0">
-            <a:spAutoFit/>
-          </a:bodyPr>
-          <a:lstStyle/>
-          <a:p>
-            <a:r>
-              <a:rPr lang="en-US" sz="1200" b="1" dirty="0" err="1"/>
-              <a:t>ILmin</a:t>
-            </a:r>
-            <a:endParaRPr lang="en-US" sz="1200" b="1" dirty="0"/>
-          </a:p>
-        </p:txBody>
-      </p:sp>
-      <p:sp>
-        <p:nvSpPr>
-          <p:cNvPr id="125" name="TextBox 124">
-            <a:extLst>
-              <a:ext uri="{FF2B5EF4-FFF2-40B4-BE49-F238E27FC236}">
-                <a16:creationId xmlns:a16="http://schemas.microsoft.com/office/drawing/2014/main" id="{DB37DADA-60BC-4184-8EC5-F67731DE93EB}"/>
-              </a:ext>
-            </a:extLst>
-          </p:cNvPr>
-          <p:cNvSpPr txBox="1"/>
-          <p:nvPr/>
-        </p:nvSpPr>
-        <p:spPr>
-          <a:xfrm>
-            <a:off x="1943100" y="2283684"/>
+            <a:off x="1568762" y="999082"/>
             <a:ext cx="2333454" cy="369332"/>
           </a:xfrm>
           <a:prstGeom prst="rect">
@@ -8303,7 +8638,7 @@
         </p:nvSpPr>
         <p:spPr>
           <a:xfrm>
-            <a:off x="7465765" y="2218460"/>
+            <a:off x="9160689" y="1238448"/>
             <a:ext cx="2333454" cy="369332"/>
           </a:xfrm>
           <a:prstGeom prst="rect">
@@ -8324,6 +8659,1178 @@
           </a:p>
         </p:txBody>
       </p:sp>
+      <mc:AlternateContent xmlns:mc="http://schemas.openxmlformats.org/markup-compatibility/2006">
+        <mc:Choice xmlns:a14="http://schemas.microsoft.com/office/drawing/2010/main" Requires="a14">
+          <p:sp>
+            <p:nvSpPr>
+              <p:cNvPr id="50" name="TextBox 49">
+                <a:extLst>
+                  <a:ext uri="{FF2B5EF4-FFF2-40B4-BE49-F238E27FC236}">
+                    <a16:creationId xmlns:a16="http://schemas.microsoft.com/office/drawing/2014/main" id="{228141B9-84A2-405D-8776-464C5F30492A}"/>
+                  </a:ext>
+                </a:extLst>
+              </p:cNvPr>
+              <p:cNvSpPr txBox="1"/>
+              <p:nvPr/>
+            </p:nvSpPr>
+            <p:spPr>
+              <a:xfrm>
+                <a:off x="9841654" y="4181628"/>
+                <a:ext cx="485763" cy="338554"/>
+              </a:xfrm>
+              <a:prstGeom prst="rect">
+                <a:avLst/>
+              </a:prstGeom>
+              <a:noFill/>
+            </p:spPr>
+            <p:txBody>
+              <a:bodyPr wrap="square" rtlCol="0">
+                <a:spAutoFit/>
+              </a:bodyPr>
+              <a:lstStyle/>
+              <a:p>
+                <a14:m>
+                  <m:oMathPara xmlns:m="http://schemas.openxmlformats.org/officeDocument/2006/math">
+                    <m:oMathParaPr>
+                      <m:jc m:val="centerGroup"/>
+                    </m:oMathParaPr>
+                    <m:oMath xmlns:m="http://schemas.openxmlformats.org/officeDocument/2006/math">
+                      <m:r>
+                        <a:rPr lang="en-US" sz="1600" i="1" dirty="0" smtClean="0">
+                          <a:latin typeface="Cambria Math" panose="02040503050406030204" pitchFamily="18" charset="0"/>
+                          <a:cs typeface="Times New Roman" panose="02020603050405020304" pitchFamily="18" charset="0"/>
+                        </a:rPr>
+                        <m:t>𝑡</m:t>
+                      </m:r>
+                    </m:oMath>
+                  </m:oMathPara>
+                </a14:m>
+                <a:endParaRPr lang="en-US" sz="1600" dirty="0">
+                  <a:latin typeface="Times New Roman" panose="02020603050405020304" pitchFamily="18" charset="0"/>
+                  <a:cs typeface="Times New Roman" panose="02020603050405020304" pitchFamily="18" charset="0"/>
+                </a:endParaRPr>
+              </a:p>
+            </p:txBody>
+          </p:sp>
+        </mc:Choice>
+        <mc:Fallback>
+          <p:sp>
+            <p:nvSpPr>
+              <p:cNvPr id="50" name="TextBox 49">
+                <a:extLst>
+                  <a:ext uri="{FF2B5EF4-FFF2-40B4-BE49-F238E27FC236}">
+                    <a16:creationId xmlns:a16="http://schemas.microsoft.com/office/drawing/2014/main" id="{228141B9-84A2-405D-8776-464C5F30492A}"/>
+                  </a:ext>
+                </a:extLst>
+              </p:cNvPr>
+              <p:cNvSpPr txBox="1">
+                <a:spLocks noRot="1" noChangeAspect="1" noMove="1" noResize="1" noEditPoints="1" noAdjustHandles="1" noChangeArrowheads="1" noChangeShapeType="1" noTextEdit="1"/>
+              </p:cNvSpPr>
+              <p:nvPr/>
+            </p:nvSpPr>
+            <p:spPr>
+              <a:xfrm>
+                <a:off x="9841654" y="4181628"/>
+                <a:ext cx="485763" cy="338554"/>
+              </a:xfrm>
+              <a:prstGeom prst="rect">
+                <a:avLst/>
+              </a:prstGeom>
+              <a:blipFill>
+                <a:blip r:embed="rId11"/>
+                <a:stretch>
+                  <a:fillRect/>
+                </a:stretch>
+              </a:blipFill>
+            </p:spPr>
+            <p:txBody>
+              <a:bodyPr/>
+              <a:lstStyle/>
+              <a:p>
+                <a:r>
+                  <a:rPr lang="en-US">
+                    <a:noFill/>
+                  </a:rPr>
+                  <a:t> </a:t>
+                </a:r>
+              </a:p>
+            </p:txBody>
+          </p:sp>
+        </mc:Fallback>
+      </mc:AlternateContent>
+      <mc:AlternateContent xmlns:mc="http://schemas.openxmlformats.org/markup-compatibility/2006">
+        <mc:Choice xmlns:a14="http://schemas.microsoft.com/office/drawing/2010/main" Requires="a14">
+          <p:sp>
+            <p:nvSpPr>
+              <p:cNvPr id="51" name="TextBox 50">
+                <a:extLst>
+                  <a:ext uri="{FF2B5EF4-FFF2-40B4-BE49-F238E27FC236}">
+                    <a16:creationId xmlns:a16="http://schemas.microsoft.com/office/drawing/2014/main" id="{473B3FDE-FA2A-43F1-8C2D-4A9A9ED390B8}"/>
+                  </a:ext>
+                </a:extLst>
+              </p:cNvPr>
+              <p:cNvSpPr txBox="1"/>
+              <p:nvPr/>
+            </p:nvSpPr>
+            <p:spPr>
+              <a:xfrm>
+                <a:off x="9841653" y="5217888"/>
+                <a:ext cx="485763" cy="338554"/>
+              </a:xfrm>
+              <a:prstGeom prst="rect">
+                <a:avLst/>
+              </a:prstGeom>
+              <a:noFill/>
+            </p:spPr>
+            <p:txBody>
+              <a:bodyPr wrap="square" rtlCol="0">
+                <a:spAutoFit/>
+              </a:bodyPr>
+              <a:lstStyle/>
+              <a:p>
+                <a14:m>
+                  <m:oMathPara xmlns:m="http://schemas.openxmlformats.org/officeDocument/2006/math">
+                    <m:oMathParaPr>
+                      <m:jc m:val="centerGroup"/>
+                    </m:oMathParaPr>
+                    <m:oMath xmlns:m="http://schemas.openxmlformats.org/officeDocument/2006/math">
+                      <m:r>
+                        <a:rPr lang="en-US" sz="1600" i="1" dirty="0" smtClean="0">
+                          <a:latin typeface="Cambria Math" panose="02040503050406030204" pitchFamily="18" charset="0"/>
+                          <a:cs typeface="Times New Roman" panose="02020603050405020304" pitchFamily="18" charset="0"/>
+                        </a:rPr>
+                        <m:t>𝑡</m:t>
+                      </m:r>
+                    </m:oMath>
+                  </m:oMathPara>
+                </a14:m>
+                <a:endParaRPr lang="en-US" sz="1600" dirty="0">
+                  <a:latin typeface="Times New Roman" panose="02020603050405020304" pitchFamily="18" charset="0"/>
+                  <a:cs typeface="Times New Roman" panose="02020603050405020304" pitchFamily="18" charset="0"/>
+                </a:endParaRPr>
+              </a:p>
+            </p:txBody>
+          </p:sp>
+        </mc:Choice>
+        <mc:Fallback>
+          <p:sp>
+            <p:nvSpPr>
+              <p:cNvPr id="51" name="TextBox 50">
+                <a:extLst>
+                  <a:ext uri="{FF2B5EF4-FFF2-40B4-BE49-F238E27FC236}">
+                    <a16:creationId xmlns:a16="http://schemas.microsoft.com/office/drawing/2014/main" id="{473B3FDE-FA2A-43F1-8C2D-4A9A9ED390B8}"/>
+                  </a:ext>
+                </a:extLst>
+              </p:cNvPr>
+              <p:cNvSpPr txBox="1">
+                <a:spLocks noRot="1" noChangeAspect="1" noMove="1" noResize="1" noEditPoints="1" noAdjustHandles="1" noChangeArrowheads="1" noChangeShapeType="1" noTextEdit="1"/>
+              </p:cNvSpPr>
+              <p:nvPr/>
+            </p:nvSpPr>
+            <p:spPr>
+              <a:xfrm>
+                <a:off x="9841653" y="5217888"/>
+                <a:ext cx="485763" cy="338554"/>
+              </a:xfrm>
+              <a:prstGeom prst="rect">
+                <a:avLst/>
+              </a:prstGeom>
+              <a:blipFill>
+                <a:blip r:embed="rId12"/>
+                <a:stretch>
+                  <a:fillRect/>
+                </a:stretch>
+              </a:blipFill>
+            </p:spPr>
+            <p:txBody>
+              <a:bodyPr/>
+              <a:lstStyle/>
+              <a:p>
+                <a:r>
+                  <a:rPr lang="en-US">
+                    <a:noFill/>
+                  </a:rPr>
+                  <a:t> </a:t>
+                </a:r>
+              </a:p>
+            </p:txBody>
+          </p:sp>
+        </mc:Fallback>
+      </mc:AlternateContent>
+      <mc:AlternateContent xmlns:mc="http://schemas.openxmlformats.org/markup-compatibility/2006">
+        <mc:Choice xmlns:a14="http://schemas.microsoft.com/office/drawing/2010/main" Requires="a14">
+          <p:sp>
+            <p:nvSpPr>
+              <p:cNvPr id="52" name="TextBox 51">
+                <a:extLst>
+                  <a:ext uri="{FF2B5EF4-FFF2-40B4-BE49-F238E27FC236}">
+                    <a16:creationId xmlns:a16="http://schemas.microsoft.com/office/drawing/2014/main" id="{FFD54862-2317-4A5C-A197-49D8C15735E4}"/>
+                  </a:ext>
+                </a:extLst>
+              </p:cNvPr>
+              <p:cNvSpPr txBox="1"/>
+              <p:nvPr/>
+            </p:nvSpPr>
+            <p:spPr>
+              <a:xfrm>
+                <a:off x="6606118" y="3981585"/>
+                <a:ext cx="485763" cy="338554"/>
+              </a:xfrm>
+              <a:prstGeom prst="rect">
+                <a:avLst/>
+              </a:prstGeom>
+              <a:noFill/>
+            </p:spPr>
+            <p:txBody>
+              <a:bodyPr wrap="square" rtlCol="0">
+                <a:spAutoFit/>
+              </a:bodyPr>
+              <a:lstStyle/>
+              <a:p>
+                <a14:m>
+                  <m:oMathPara xmlns:m="http://schemas.openxmlformats.org/officeDocument/2006/math">
+                    <m:oMathParaPr>
+                      <m:jc m:val="centerGroup"/>
+                    </m:oMathParaPr>
+                    <m:oMath xmlns:m="http://schemas.openxmlformats.org/officeDocument/2006/math">
+                      <m:sSub>
+                        <m:sSubPr>
+                          <m:ctrlPr>
+                            <a:rPr lang="en-US" sz="1600" b="0" i="1" dirty="0" smtClean="0">
+                              <a:latin typeface="Cambria Math" panose="02040503050406030204" pitchFamily="18" charset="0"/>
+                              <a:cs typeface="Times New Roman" panose="02020603050405020304" pitchFamily="18" charset="0"/>
+                            </a:rPr>
+                          </m:ctrlPr>
+                        </m:sSubPr>
+                        <m:e>
+                          <m:r>
+                            <a:rPr lang="en-US" sz="1600" i="1" dirty="0" smtClean="0">
+                              <a:latin typeface="Cambria Math" panose="02040503050406030204" pitchFamily="18" charset="0"/>
+                              <a:cs typeface="Times New Roman" panose="02020603050405020304" pitchFamily="18" charset="0"/>
+                            </a:rPr>
+                            <m:t>𝑆</m:t>
+                          </m:r>
+                        </m:e>
+                        <m:sub>
+                          <m:r>
+                            <a:rPr lang="en-US" sz="1600" b="0" i="1" dirty="0" smtClean="0">
+                              <a:latin typeface="Cambria Math" panose="02040503050406030204" pitchFamily="18" charset="0"/>
+                              <a:cs typeface="Times New Roman" panose="02020603050405020304" pitchFamily="18" charset="0"/>
+                            </a:rPr>
+                            <m:t>2</m:t>
+                          </m:r>
+                        </m:sub>
+                      </m:sSub>
+                    </m:oMath>
+                  </m:oMathPara>
+                </a14:m>
+                <a:endParaRPr lang="en-US" sz="1600" dirty="0">
+                  <a:latin typeface="Times New Roman" panose="02020603050405020304" pitchFamily="18" charset="0"/>
+                  <a:cs typeface="Times New Roman" panose="02020603050405020304" pitchFamily="18" charset="0"/>
+                </a:endParaRPr>
+              </a:p>
+            </p:txBody>
+          </p:sp>
+        </mc:Choice>
+        <mc:Fallback>
+          <p:sp>
+            <p:nvSpPr>
+              <p:cNvPr id="52" name="TextBox 51">
+                <a:extLst>
+                  <a:ext uri="{FF2B5EF4-FFF2-40B4-BE49-F238E27FC236}">
+                    <a16:creationId xmlns:a16="http://schemas.microsoft.com/office/drawing/2014/main" id="{FFD54862-2317-4A5C-A197-49D8C15735E4}"/>
+                  </a:ext>
+                </a:extLst>
+              </p:cNvPr>
+              <p:cNvSpPr txBox="1">
+                <a:spLocks noRot="1" noChangeAspect="1" noMove="1" noResize="1" noEditPoints="1" noAdjustHandles="1" noChangeArrowheads="1" noChangeShapeType="1" noTextEdit="1"/>
+              </p:cNvSpPr>
+              <p:nvPr/>
+            </p:nvSpPr>
+            <p:spPr>
+              <a:xfrm>
+                <a:off x="6606118" y="3981585"/>
+                <a:ext cx="485763" cy="338554"/>
+              </a:xfrm>
+              <a:prstGeom prst="rect">
+                <a:avLst/>
+              </a:prstGeom>
+              <a:blipFill>
+                <a:blip r:embed="rId13"/>
+                <a:stretch>
+                  <a:fillRect/>
+                </a:stretch>
+              </a:blipFill>
+            </p:spPr>
+            <p:txBody>
+              <a:bodyPr/>
+              <a:lstStyle/>
+              <a:p>
+                <a:r>
+                  <a:rPr lang="en-US">
+                    <a:noFill/>
+                  </a:rPr>
+                  <a:t> </a:t>
+                </a:r>
+              </a:p>
+            </p:txBody>
+          </p:sp>
+        </mc:Fallback>
+      </mc:AlternateContent>
+      <mc:AlternateContent xmlns:mc="http://schemas.openxmlformats.org/markup-compatibility/2006">
+        <mc:Choice xmlns:a14="http://schemas.microsoft.com/office/drawing/2010/main" Requires="a14">
+          <p:sp>
+            <p:nvSpPr>
+              <p:cNvPr id="54" name="TextBox 53">
+                <a:extLst>
+                  <a:ext uri="{FF2B5EF4-FFF2-40B4-BE49-F238E27FC236}">
+                    <a16:creationId xmlns:a16="http://schemas.microsoft.com/office/drawing/2014/main" id="{10DE174C-13B5-4636-B0E8-2FA7331C3DA6}"/>
+                  </a:ext>
+                </a:extLst>
+              </p:cNvPr>
+              <p:cNvSpPr txBox="1"/>
+              <p:nvPr/>
+            </p:nvSpPr>
+            <p:spPr>
+              <a:xfrm>
+                <a:off x="6160287" y="4638371"/>
+                <a:ext cx="979666" cy="338554"/>
+              </a:xfrm>
+              <a:prstGeom prst="rect">
+                <a:avLst/>
+              </a:prstGeom>
+              <a:noFill/>
+            </p:spPr>
+            <p:txBody>
+              <a:bodyPr wrap="square" rtlCol="0">
+                <a:spAutoFit/>
+              </a:bodyPr>
+              <a:lstStyle/>
+              <a:p>
+                <a14:m>
+                  <m:oMathPara xmlns:m="http://schemas.openxmlformats.org/officeDocument/2006/math">
+                    <m:oMathParaPr>
+                      <m:jc m:val="centerGroup"/>
+                    </m:oMathParaPr>
+                    <m:oMath xmlns:m="http://schemas.openxmlformats.org/officeDocument/2006/math">
+                      <m:sSub>
+                        <m:sSubPr>
+                          <m:ctrlPr>
+                            <a:rPr lang="en-US" sz="1600" b="0" i="1" dirty="0" smtClean="0">
+                              <a:latin typeface="Cambria Math" panose="02040503050406030204" pitchFamily="18" charset="0"/>
+                              <a:cs typeface="Times New Roman" panose="02020603050405020304" pitchFamily="18" charset="0"/>
+                            </a:rPr>
+                          </m:ctrlPr>
+                        </m:sSubPr>
+                        <m:e>
+                          <m:r>
+                            <a:rPr lang="en-US" sz="1600" i="1" dirty="0" smtClean="0">
+                              <a:latin typeface="Cambria Math" panose="02040503050406030204" pitchFamily="18" charset="0"/>
+                              <a:cs typeface="Times New Roman" panose="02020603050405020304" pitchFamily="18" charset="0"/>
+                            </a:rPr>
+                            <m:t>𝐼</m:t>
+                          </m:r>
+                        </m:e>
+                        <m:sub>
+                          <m:r>
+                            <a:rPr lang="en-US" sz="1600" i="1" dirty="0">
+                              <a:latin typeface="Cambria Math" panose="02040503050406030204" pitchFamily="18" charset="0"/>
+                              <a:cs typeface="Times New Roman" panose="02020603050405020304" pitchFamily="18" charset="0"/>
+                            </a:rPr>
+                            <m:t>𝐿𝑚𝑎𝑥</m:t>
+                          </m:r>
+                          <m:r>
+                            <a:rPr lang="en-US" sz="1600" b="0" i="1" dirty="0" smtClean="0">
+                              <a:latin typeface="Cambria Math" panose="02040503050406030204" pitchFamily="18" charset="0"/>
+                              <a:cs typeface="Times New Roman" panose="02020603050405020304" pitchFamily="18" charset="0"/>
+                            </a:rPr>
+                            <m:t>1</m:t>
+                          </m:r>
+                        </m:sub>
+                      </m:sSub>
+                    </m:oMath>
+                  </m:oMathPara>
+                </a14:m>
+                <a:endParaRPr lang="en-US" sz="1600" dirty="0">
+                  <a:latin typeface="Times New Roman" panose="02020603050405020304" pitchFamily="18" charset="0"/>
+                  <a:cs typeface="Times New Roman" panose="02020603050405020304" pitchFamily="18" charset="0"/>
+                </a:endParaRPr>
+              </a:p>
+            </p:txBody>
+          </p:sp>
+        </mc:Choice>
+        <mc:Fallback>
+          <p:sp>
+            <p:nvSpPr>
+              <p:cNvPr id="54" name="TextBox 53">
+                <a:extLst>
+                  <a:ext uri="{FF2B5EF4-FFF2-40B4-BE49-F238E27FC236}">
+                    <a16:creationId xmlns:a16="http://schemas.microsoft.com/office/drawing/2014/main" id="{10DE174C-13B5-4636-B0E8-2FA7331C3DA6}"/>
+                  </a:ext>
+                </a:extLst>
+              </p:cNvPr>
+              <p:cNvSpPr txBox="1">
+                <a:spLocks noRot="1" noChangeAspect="1" noMove="1" noResize="1" noEditPoints="1" noAdjustHandles="1" noChangeArrowheads="1" noChangeShapeType="1" noTextEdit="1"/>
+              </p:cNvSpPr>
+              <p:nvPr/>
+            </p:nvSpPr>
+            <p:spPr>
+              <a:xfrm>
+                <a:off x="6160287" y="4638371"/>
+                <a:ext cx="979666" cy="338554"/>
+              </a:xfrm>
+              <a:prstGeom prst="rect">
+                <a:avLst/>
+              </a:prstGeom>
+              <a:blipFill>
+                <a:blip r:embed="rId14"/>
+                <a:stretch>
+                  <a:fillRect/>
+                </a:stretch>
+              </a:blipFill>
+            </p:spPr>
+            <p:txBody>
+              <a:bodyPr/>
+              <a:lstStyle/>
+              <a:p>
+                <a:r>
+                  <a:rPr lang="en-US">
+                    <a:noFill/>
+                  </a:rPr>
+                  <a:t> </a:t>
+                </a:r>
+              </a:p>
+            </p:txBody>
+          </p:sp>
+        </mc:Fallback>
+      </mc:AlternateContent>
+      <mc:AlternateContent xmlns:mc="http://schemas.openxmlformats.org/markup-compatibility/2006">
+        <mc:Choice xmlns:a14="http://schemas.microsoft.com/office/drawing/2010/main" Requires="a14">
+          <p:sp>
+            <p:nvSpPr>
+              <p:cNvPr id="56" name="TextBox 55">
+                <a:extLst>
+                  <a:ext uri="{FF2B5EF4-FFF2-40B4-BE49-F238E27FC236}">
+                    <a16:creationId xmlns:a16="http://schemas.microsoft.com/office/drawing/2014/main" id="{F4153B0B-ECD4-47CB-9D23-D0ECF8D7F940}"/>
+                  </a:ext>
+                </a:extLst>
+              </p:cNvPr>
+              <p:cNvSpPr txBox="1"/>
+              <p:nvPr/>
+            </p:nvSpPr>
+            <p:spPr>
+              <a:xfrm>
+                <a:off x="6153562" y="4955652"/>
+                <a:ext cx="979666" cy="338554"/>
+              </a:xfrm>
+              <a:prstGeom prst="rect">
+                <a:avLst/>
+              </a:prstGeom>
+              <a:noFill/>
+            </p:spPr>
+            <p:txBody>
+              <a:bodyPr wrap="square" rtlCol="0">
+                <a:spAutoFit/>
+              </a:bodyPr>
+              <a:lstStyle/>
+              <a:p>
+                <a14:m>
+                  <m:oMathPara xmlns:m="http://schemas.openxmlformats.org/officeDocument/2006/math">
+                    <m:oMathParaPr>
+                      <m:jc m:val="centerGroup"/>
+                    </m:oMathParaPr>
+                    <m:oMath xmlns:m="http://schemas.openxmlformats.org/officeDocument/2006/math">
+                      <m:sSub>
+                        <m:sSubPr>
+                          <m:ctrlPr>
+                            <a:rPr lang="en-US" sz="1600" b="0" i="1" dirty="0" smtClean="0">
+                              <a:latin typeface="Cambria Math" panose="02040503050406030204" pitchFamily="18" charset="0"/>
+                              <a:cs typeface="Times New Roman" panose="02020603050405020304" pitchFamily="18" charset="0"/>
+                            </a:rPr>
+                          </m:ctrlPr>
+                        </m:sSubPr>
+                        <m:e>
+                          <m:r>
+                            <a:rPr lang="en-US" sz="1600" i="1" dirty="0" smtClean="0">
+                              <a:latin typeface="Cambria Math" panose="02040503050406030204" pitchFamily="18" charset="0"/>
+                              <a:cs typeface="Times New Roman" panose="02020603050405020304" pitchFamily="18" charset="0"/>
+                            </a:rPr>
+                            <m:t>𝐼</m:t>
+                          </m:r>
+                        </m:e>
+                        <m:sub>
+                          <m:r>
+                            <a:rPr lang="en-US" sz="1600" i="1" dirty="0">
+                              <a:latin typeface="Cambria Math" panose="02040503050406030204" pitchFamily="18" charset="0"/>
+                              <a:cs typeface="Times New Roman" panose="02020603050405020304" pitchFamily="18" charset="0"/>
+                            </a:rPr>
+                            <m:t>𝐿</m:t>
+                          </m:r>
+                          <m:r>
+                            <a:rPr lang="en-US" sz="1600" b="0" i="1" dirty="0" smtClean="0">
+                              <a:latin typeface="Cambria Math" panose="02040503050406030204" pitchFamily="18" charset="0"/>
+                              <a:cs typeface="Times New Roman" panose="02020603050405020304" pitchFamily="18" charset="0"/>
+                            </a:rPr>
+                            <m:t>𝑚𝑖𝑛</m:t>
+                          </m:r>
+                        </m:sub>
+                      </m:sSub>
+                    </m:oMath>
+                  </m:oMathPara>
+                </a14:m>
+                <a:endParaRPr lang="en-US" sz="1600" dirty="0">
+                  <a:latin typeface="Times New Roman" panose="02020603050405020304" pitchFamily="18" charset="0"/>
+                  <a:cs typeface="Times New Roman" panose="02020603050405020304" pitchFamily="18" charset="0"/>
+                </a:endParaRPr>
+              </a:p>
+            </p:txBody>
+          </p:sp>
+        </mc:Choice>
+        <mc:Fallback>
+          <p:sp>
+            <p:nvSpPr>
+              <p:cNvPr id="56" name="TextBox 55">
+                <a:extLst>
+                  <a:ext uri="{FF2B5EF4-FFF2-40B4-BE49-F238E27FC236}">
+                    <a16:creationId xmlns:a16="http://schemas.microsoft.com/office/drawing/2014/main" id="{F4153B0B-ECD4-47CB-9D23-D0ECF8D7F940}"/>
+                  </a:ext>
+                </a:extLst>
+              </p:cNvPr>
+              <p:cNvSpPr txBox="1">
+                <a:spLocks noRot="1" noChangeAspect="1" noMove="1" noResize="1" noEditPoints="1" noAdjustHandles="1" noChangeArrowheads="1" noChangeShapeType="1" noTextEdit="1"/>
+              </p:cNvSpPr>
+              <p:nvPr/>
+            </p:nvSpPr>
+            <p:spPr>
+              <a:xfrm>
+                <a:off x="6153562" y="4955652"/>
+                <a:ext cx="979666" cy="338554"/>
+              </a:xfrm>
+              <a:prstGeom prst="rect">
+                <a:avLst/>
+              </a:prstGeom>
+              <a:blipFill>
+                <a:blip r:embed="rId15"/>
+                <a:stretch>
+                  <a:fillRect/>
+                </a:stretch>
+              </a:blipFill>
+            </p:spPr>
+            <p:txBody>
+              <a:bodyPr/>
+              <a:lstStyle/>
+              <a:p>
+                <a:r>
+                  <a:rPr lang="en-US">
+                    <a:noFill/>
+                  </a:rPr>
+                  <a:t> </a:t>
+                </a:r>
+              </a:p>
+            </p:txBody>
+          </p:sp>
+        </mc:Fallback>
+      </mc:AlternateContent>
+      <mc:AlternateContent xmlns:mc="http://schemas.openxmlformats.org/markup-compatibility/2006">
+        <mc:Choice xmlns:a14="http://schemas.microsoft.com/office/drawing/2010/main" Requires="a14">
+          <p:sp>
+            <p:nvSpPr>
+              <p:cNvPr id="59" name="TextBox 58">
+                <a:extLst>
+                  <a:ext uri="{FF2B5EF4-FFF2-40B4-BE49-F238E27FC236}">
+                    <a16:creationId xmlns:a16="http://schemas.microsoft.com/office/drawing/2014/main" id="{9B6D63B7-BDBF-41AE-AD0A-6190F061B102}"/>
+                  </a:ext>
+                </a:extLst>
+              </p:cNvPr>
+              <p:cNvSpPr txBox="1"/>
+              <p:nvPr/>
+            </p:nvSpPr>
+            <p:spPr>
+              <a:xfrm>
+                <a:off x="6937913" y="5392651"/>
+                <a:ext cx="485763" cy="338554"/>
+              </a:xfrm>
+              <a:prstGeom prst="rect">
+                <a:avLst/>
+              </a:prstGeom>
+              <a:noFill/>
+            </p:spPr>
+            <p:txBody>
+              <a:bodyPr wrap="square" rtlCol="0">
+                <a:spAutoFit/>
+              </a:bodyPr>
+              <a:lstStyle/>
+              <a:p>
+                <a14:m>
+                  <m:oMathPara xmlns:m="http://schemas.openxmlformats.org/officeDocument/2006/math">
+                    <m:oMathParaPr>
+                      <m:jc m:val="centerGroup"/>
+                    </m:oMathParaPr>
+                    <m:oMath xmlns:m="http://schemas.openxmlformats.org/officeDocument/2006/math">
+                      <m:sSub>
+                        <m:sSubPr>
+                          <m:ctrlPr>
+                            <a:rPr lang="en-US" sz="1600" b="0" i="1" dirty="0" smtClean="0">
+                              <a:latin typeface="Cambria Math" panose="02040503050406030204" pitchFamily="18" charset="0"/>
+                              <a:cs typeface="Times New Roman" panose="02020603050405020304" pitchFamily="18" charset="0"/>
+                            </a:rPr>
+                          </m:ctrlPr>
+                        </m:sSubPr>
+                        <m:e>
+                          <m:r>
+                            <a:rPr lang="en-US" sz="1600" i="1" dirty="0" smtClean="0">
+                              <a:latin typeface="Cambria Math" panose="02040503050406030204" pitchFamily="18" charset="0"/>
+                              <a:cs typeface="Times New Roman" panose="02020603050405020304" pitchFamily="18" charset="0"/>
+                            </a:rPr>
+                            <m:t>𝑡</m:t>
+                          </m:r>
+                        </m:e>
+                        <m:sub>
+                          <m:r>
+                            <a:rPr lang="en-US" sz="1600" b="0" i="1" dirty="0" smtClean="0">
+                              <a:latin typeface="Cambria Math" panose="02040503050406030204" pitchFamily="18" charset="0"/>
+                              <a:cs typeface="Times New Roman" panose="02020603050405020304" pitchFamily="18" charset="0"/>
+                            </a:rPr>
+                            <m:t>0</m:t>
+                          </m:r>
+                        </m:sub>
+                      </m:sSub>
+                    </m:oMath>
+                  </m:oMathPara>
+                </a14:m>
+                <a:endParaRPr lang="en-US" sz="1600" dirty="0">
+                  <a:latin typeface="Times New Roman" panose="02020603050405020304" pitchFamily="18" charset="0"/>
+                  <a:cs typeface="Times New Roman" panose="02020603050405020304" pitchFamily="18" charset="0"/>
+                </a:endParaRPr>
+              </a:p>
+            </p:txBody>
+          </p:sp>
+        </mc:Choice>
+        <mc:Fallback>
+          <p:sp>
+            <p:nvSpPr>
+              <p:cNvPr id="59" name="TextBox 58">
+                <a:extLst>
+                  <a:ext uri="{FF2B5EF4-FFF2-40B4-BE49-F238E27FC236}">
+                    <a16:creationId xmlns:a16="http://schemas.microsoft.com/office/drawing/2014/main" id="{9B6D63B7-BDBF-41AE-AD0A-6190F061B102}"/>
+                  </a:ext>
+                </a:extLst>
+              </p:cNvPr>
+              <p:cNvSpPr txBox="1">
+                <a:spLocks noRot="1" noChangeAspect="1" noMove="1" noResize="1" noEditPoints="1" noAdjustHandles="1" noChangeArrowheads="1" noChangeShapeType="1" noTextEdit="1"/>
+              </p:cNvSpPr>
+              <p:nvPr/>
+            </p:nvSpPr>
+            <p:spPr>
+              <a:xfrm>
+                <a:off x="6937913" y="5392651"/>
+                <a:ext cx="485763" cy="338554"/>
+              </a:xfrm>
+              <a:prstGeom prst="rect">
+                <a:avLst/>
+              </a:prstGeom>
+              <a:blipFill>
+                <a:blip r:embed="rId16"/>
+                <a:stretch>
+                  <a:fillRect/>
+                </a:stretch>
+              </a:blipFill>
+            </p:spPr>
+            <p:txBody>
+              <a:bodyPr/>
+              <a:lstStyle/>
+              <a:p>
+                <a:r>
+                  <a:rPr lang="en-US">
+                    <a:noFill/>
+                  </a:rPr>
+                  <a:t> </a:t>
+                </a:r>
+              </a:p>
+            </p:txBody>
+          </p:sp>
+        </mc:Fallback>
+      </mc:AlternateContent>
+      <mc:AlternateContent xmlns:mc="http://schemas.openxmlformats.org/markup-compatibility/2006">
+        <mc:Choice xmlns:a14="http://schemas.microsoft.com/office/drawing/2010/main" Requires="a14">
+          <p:sp>
+            <p:nvSpPr>
+              <p:cNvPr id="63" name="TextBox 62">
+                <a:extLst>
+                  <a:ext uri="{FF2B5EF4-FFF2-40B4-BE49-F238E27FC236}">
+                    <a16:creationId xmlns:a16="http://schemas.microsoft.com/office/drawing/2014/main" id="{B4D93FA7-B233-46DC-A3CF-3EB230E065E1}"/>
+                  </a:ext>
+                </a:extLst>
+              </p:cNvPr>
+              <p:cNvSpPr txBox="1"/>
+              <p:nvPr/>
+            </p:nvSpPr>
+            <p:spPr>
+              <a:xfrm>
+                <a:off x="7787866" y="5422494"/>
+                <a:ext cx="485763" cy="338554"/>
+              </a:xfrm>
+              <a:prstGeom prst="rect">
+                <a:avLst/>
+              </a:prstGeom>
+              <a:noFill/>
+            </p:spPr>
+            <p:txBody>
+              <a:bodyPr wrap="square" rtlCol="0">
+                <a:spAutoFit/>
+              </a:bodyPr>
+              <a:lstStyle/>
+              <a:p>
+                <a14:m>
+                  <m:oMathPara xmlns:m="http://schemas.openxmlformats.org/officeDocument/2006/math">
+                    <m:oMathParaPr>
+                      <m:jc m:val="centerGroup"/>
+                    </m:oMathParaPr>
+                    <m:oMath xmlns:m="http://schemas.openxmlformats.org/officeDocument/2006/math">
+                      <m:sSub>
+                        <m:sSubPr>
+                          <m:ctrlPr>
+                            <a:rPr lang="en-US" sz="1600" b="0" i="1" dirty="0" smtClean="0">
+                              <a:latin typeface="Cambria Math" panose="02040503050406030204" pitchFamily="18" charset="0"/>
+                              <a:cs typeface="Times New Roman" panose="02020603050405020304" pitchFamily="18" charset="0"/>
+                            </a:rPr>
+                          </m:ctrlPr>
+                        </m:sSubPr>
+                        <m:e>
+                          <m:r>
+                            <a:rPr lang="en-US" sz="1600" i="1" dirty="0" smtClean="0">
+                              <a:latin typeface="Cambria Math" panose="02040503050406030204" pitchFamily="18" charset="0"/>
+                              <a:cs typeface="Times New Roman" panose="02020603050405020304" pitchFamily="18" charset="0"/>
+                            </a:rPr>
+                            <m:t>𝑡</m:t>
+                          </m:r>
+                        </m:e>
+                        <m:sub>
+                          <m:r>
+                            <a:rPr lang="en-US" sz="1600" b="0" i="1" dirty="0" smtClean="0">
+                              <a:latin typeface="Cambria Math" panose="02040503050406030204" pitchFamily="18" charset="0"/>
+                              <a:cs typeface="Times New Roman" panose="02020603050405020304" pitchFamily="18" charset="0"/>
+                            </a:rPr>
+                            <m:t>1</m:t>
+                          </m:r>
+                        </m:sub>
+                      </m:sSub>
+                    </m:oMath>
+                  </m:oMathPara>
+                </a14:m>
+                <a:endParaRPr lang="en-US" sz="1600" dirty="0">
+                  <a:latin typeface="Times New Roman" panose="02020603050405020304" pitchFamily="18" charset="0"/>
+                  <a:cs typeface="Times New Roman" panose="02020603050405020304" pitchFamily="18" charset="0"/>
+                </a:endParaRPr>
+              </a:p>
+            </p:txBody>
+          </p:sp>
+        </mc:Choice>
+        <mc:Fallback>
+          <p:sp>
+            <p:nvSpPr>
+              <p:cNvPr id="63" name="TextBox 62">
+                <a:extLst>
+                  <a:ext uri="{FF2B5EF4-FFF2-40B4-BE49-F238E27FC236}">
+                    <a16:creationId xmlns:a16="http://schemas.microsoft.com/office/drawing/2014/main" id="{B4D93FA7-B233-46DC-A3CF-3EB230E065E1}"/>
+                  </a:ext>
+                </a:extLst>
+              </p:cNvPr>
+              <p:cNvSpPr txBox="1">
+                <a:spLocks noRot="1" noChangeAspect="1" noMove="1" noResize="1" noEditPoints="1" noAdjustHandles="1" noChangeArrowheads="1" noChangeShapeType="1" noTextEdit="1"/>
+              </p:cNvSpPr>
+              <p:nvPr/>
+            </p:nvSpPr>
+            <p:spPr>
+              <a:xfrm>
+                <a:off x="7787866" y="5422494"/>
+                <a:ext cx="485763" cy="338554"/>
+              </a:xfrm>
+              <a:prstGeom prst="rect">
+                <a:avLst/>
+              </a:prstGeom>
+              <a:blipFill>
+                <a:blip r:embed="rId17"/>
+                <a:stretch>
+                  <a:fillRect/>
+                </a:stretch>
+              </a:blipFill>
+            </p:spPr>
+            <p:txBody>
+              <a:bodyPr/>
+              <a:lstStyle/>
+              <a:p>
+                <a:r>
+                  <a:rPr lang="en-US">
+                    <a:noFill/>
+                  </a:rPr>
+                  <a:t> </a:t>
+                </a:r>
+              </a:p>
+            </p:txBody>
+          </p:sp>
+        </mc:Fallback>
+      </mc:AlternateContent>
+      <mc:AlternateContent xmlns:mc="http://schemas.openxmlformats.org/markup-compatibility/2006">
+        <mc:Choice xmlns:a14="http://schemas.microsoft.com/office/drawing/2010/main" Requires="a14">
+          <p:sp>
+            <p:nvSpPr>
+              <p:cNvPr id="65" name="TextBox 64">
+                <a:extLst>
+                  <a:ext uri="{FF2B5EF4-FFF2-40B4-BE49-F238E27FC236}">
+                    <a16:creationId xmlns:a16="http://schemas.microsoft.com/office/drawing/2014/main" id="{DF464DE7-1E68-46F1-BE49-0170F6C01D6C}"/>
+                  </a:ext>
+                </a:extLst>
+              </p:cNvPr>
+              <p:cNvSpPr txBox="1"/>
+              <p:nvPr/>
+            </p:nvSpPr>
+            <p:spPr>
+              <a:xfrm>
+                <a:off x="7972314" y="5432959"/>
+                <a:ext cx="485763" cy="338554"/>
+              </a:xfrm>
+              <a:prstGeom prst="rect">
+                <a:avLst/>
+              </a:prstGeom>
+              <a:noFill/>
+            </p:spPr>
+            <p:txBody>
+              <a:bodyPr wrap="square" rtlCol="0">
+                <a:spAutoFit/>
+              </a:bodyPr>
+              <a:lstStyle/>
+              <a:p>
+                <a14:m>
+                  <m:oMathPara xmlns:m="http://schemas.openxmlformats.org/officeDocument/2006/math">
+                    <m:oMathParaPr>
+                      <m:jc m:val="centerGroup"/>
+                    </m:oMathParaPr>
+                    <m:oMath xmlns:m="http://schemas.openxmlformats.org/officeDocument/2006/math">
+                      <m:sSub>
+                        <m:sSubPr>
+                          <m:ctrlPr>
+                            <a:rPr lang="en-US" sz="1600" b="0" i="1" dirty="0" smtClean="0">
+                              <a:latin typeface="Cambria Math" panose="02040503050406030204" pitchFamily="18" charset="0"/>
+                              <a:cs typeface="Times New Roman" panose="02020603050405020304" pitchFamily="18" charset="0"/>
+                            </a:rPr>
+                          </m:ctrlPr>
+                        </m:sSubPr>
+                        <m:e>
+                          <m:r>
+                            <a:rPr lang="en-US" sz="1600" i="1" dirty="0" smtClean="0">
+                              <a:latin typeface="Cambria Math" panose="02040503050406030204" pitchFamily="18" charset="0"/>
+                              <a:cs typeface="Times New Roman" panose="02020603050405020304" pitchFamily="18" charset="0"/>
+                            </a:rPr>
+                            <m:t>𝑡</m:t>
+                          </m:r>
+                        </m:e>
+                        <m:sub>
+                          <m:r>
+                            <a:rPr lang="en-US" sz="1600" b="0" i="1" dirty="0" smtClean="0">
+                              <a:latin typeface="Cambria Math" panose="02040503050406030204" pitchFamily="18" charset="0"/>
+                              <a:cs typeface="Times New Roman" panose="02020603050405020304" pitchFamily="18" charset="0"/>
+                            </a:rPr>
+                            <m:t>2</m:t>
+                          </m:r>
+                        </m:sub>
+                      </m:sSub>
+                    </m:oMath>
+                  </m:oMathPara>
+                </a14:m>
+                <a:endParaRPr lang="en-US" sz="1600" dirty="0">
+                  <a:latin typeface="Times New Roman" panose="02020603050405020304" pitchFamily="18" charset="0"/>
+                  <a:cs typeface="Times New Roman" panose="02020603050405020304" pitchFamily="18" charset="0"/>
+                </a:endParaRPr>
+              </a:p>
+            </p:txBody>
+          </p:sp>
+        </mc:Choice>
+        <mc:Fallback>
+          <p:sp>
+            <p:nvSpPr>
+              <p:cNvPr id="65" name="TextBox 64">
+                <a:extLst>
+                  <a:ext uri="{FF2B5EF4-FFF2-40B4-BE49-F238E27FC236}">
+                    <a16:creationId xmlns:a16="http://schemas.microsoft.com/office/drawing/2014/main" id="{DF464DE7-1E68-46F1-BE49-0170F6C01D6C}"/>
+                  </a:ext>
+                </a:extLst>
+              </p:cNvPr>
+              <p:cNvSpPr txBox="1">
+                <a:spLocks noRot="1" noChangeAspect="1" noMove="1" noResize="1" noEditPoints="1" noAdjustHandles="1" noChangeArrowheads="1" noChangeShapeType="1" noTextEdit="1"/>
+              </p:cNvSpPr>
+              <p:nvPr/>
+            </p:nvSpPr>
+            <p:spPr>
+              <a:xfrm>
+                <a:off x="7972314" y="5432959"/>
+                <a:ext cx="485763" cy="338554"/>
+              </a:xfrm>
+              <a:prstGeom prst="rect">
+                <a:avLst/>
+              </a:prstGeom>
+              <a:blipFill>
+                <a:blip r:embed="rId18"/>
+                <a:stretch>
+                  <a:fillRect/>
+                </a:stretch>
+              </a:blipFill>
+            </p:spPr>
+            <p:txBody>
+              <a:bodyPr/>
+              <a:lstStyle/>
+              <a:p>
+                <a:r>
+                  <a:rPr lang="en-US">
+                    <a:noFill/>
+                  </a:rPr>
+                  <a:t> </a:t>
+                </a:r>
+              </a:p>
+            </p:txBody>
+          </p:sp>
+        </mc:Fallback>
+      </mc:AlternateContent>
+      <mc:AlternateContent xmlns:mc="http://schemas.openxmlformats.org/markup-compatibility/2006">
+        <mc:Choice xmlns:a14="http://schemas.microsoft.com/office/drawing/2010/main" Requires="a14">
+          <p:sp>
+            <p:nvSpPr>
+              <p:cNvPr id="67" name="TextBox 66">
+                <a:extLst>
+                  <a:ext uri="{FF2B5EF4-FFF2-40B4-BE49-F238E27FC236}">
+                    <a16:creationId xmlns:a16="http://schemas.microsoft.com/office/drawing/2014/main" id="{D7DDAD16-F751-4570-80FD-61490DAB721F}"/>
+                  </a:ext>
+                </a:extLst>
+              </p:cNvPr>
+              <p:cNvSpPr txBox="1"/>
+              <p:nvPr/>
+            </p:nvSpPr>
+            <p:spPr>
+              <a:xfrm>
+                <a:off x="9096576" y="5422494"/>
+                <a:ext cx="485763" cy="338554"/>
+              </a:xfrm>
+              <a:prstGeom prst="rect">
+                <a:avLst/>
+              </a:prstGeom>
+              <a:noFill/>
+            </p:spPr>
+            <p:txBody>
+              <a:bodyPr wrap="square" rtlCol="0">
+                <a:spAutoFit/>
+              </a:bodyPr>
+              <a:lstStyle/>
+              <a:p>
+                <a14:m>
+                  <m:oMathPara xmlns:m="http://schemas.openxmlformats.org/officeDocument/2006/math">
+                    <m:oMathParaPr>
+                      <m:jc m:val="centerGroup"/>
+                    </m:oMathParaPr>
+                    <m:oMath xmlns:m="http://schemas.openxmlformats.org/officeDocument/2006/math">
+                      <m:sSub>
+                        <m:sSubPr>
+                          <m:ctrlPr>
+                            <a:rPr lang="en-US" sz="1600" b="0" i="1" dirty="0" smtClean="0">
+                              <a:latin typeface="Cambria Math" panose="02040503050406030204" pitchFamily="18" charset="0"/>
+                              <a:cs typeface="Times New Roman" panose="02020603050405020304" pitchFamily="18" charset="0"/>
+                            </a:rPr>
+                          </m:ctrlPr>
+                        </m:sSubPr>
+                        <m:e>
+                          <m:r>
+                            <a:rPr lang="en-US" sz="1600" i="1" dirty="0" smtClean="0">
+                              <a:latin typeface="Cambria Math" panose="02040503050406030204" pitchFamily="18" charset="0"/>
+                              <a:cs typeface="Times New Roman" panose="02020603050405020304" pitchFamily="18" charset="0"/>
+                            </a:rPr>
+                            <m:t>𝑡</m:t>
+                          </m:r>
+                        </m:e>
+                        <m:sub>
+                          <m:r>
+                            <a:rPr lang="en-US" sz="1600" b="0" i="1" dirty="0" smtClean="0">
+                              <a:latin typeface="Cambria Math" panose="02040503050406030204" pitchFamily="18" charset="0"/>
+                              <a:cs typeface="Times New Roman" panose="02020603050405020304" pitchFamily="18" charset="0"/>
+                            </a:rPr>
+                            <m:t>4</m:t>
+                          </m:r>
+                        </m:sub>
+                      </m:sSub>
+                    </m:oMath>
+                  </m:oMathPara>
+                </a14:m>
+                <a:endParaRPr lang="en-US" sz="1600" dirty="0">
+                  <a:latin typeface="Times New Roman" panose="02020603050405020304" pitchFamily="18" charset="0"/>
+                  <a:cs typeface="Times New Roman" panose="02020603050405020304" pitchFamily="18" charset="0"/>
+                </a:endParaRPr>
+              </a:p>
+            </p:txBody>
+          </p:sp>
+        </mc:Choice>
+        <mc:Fallback>
+          <p:sp>
+            <p:nvSpPr>
+              <p:cNvPr id="67" name="TextBox 66">
+                <a:extLst>
+                  <a:ext uri="{FF2B5EF4-FFF2-40B4-BE49-F238E27FC236}">
+                    <a16:creationId xmlns:a16="http://schemas.microsoft.com/office/drawing/2014/main" id="{D7DDAD16-F751-4570-80FD-61490DAB721F}"/>
+                  </a:ext>
+                </a:extLst>
+              </p:cNvPr>
+              <p:cNvSpPr txBox="1">
+                <a:spLocks noRot="1" noChangeAspect="1" noMove="1" noResize="1" noEditPoints="1" noAdjustHandles="1" noChangeArrowheads="1" noChangeShapeType="1" noTextEdit="1"/>
+              </p:cNvSpPr>
+              <p:nvPr/>
+            </p:nvSpPr>
+            <p:spPr>
+              <a:xfrm>
+                <a:off x="9096576" y="5422494"/>
+                <a:ext cx="485763" cy="338554"/>
+              </a:xfrm>
+              <a:prstGeom prst="rect">
+                <a:avLst/>
+              </a:prstGeom>
+              <a:blipFill>
+                <a:blip r:embed="rId19"/>
+                <a:stretch>
+                  <a:fillRect/>
+                </a:stretch>
+              </a:blipFill>
+            </p:spPr>
+            <p:txBody>
+              <a:bodyPr/>
+              <a:lstStyle/>
+              <a:p>
+                <a:r>
+                  <a:rPr lang="en-US">
+                    <a:noFill/>
+                  </a:rPr>
+                  <a:t> </a:t>
+                </a:r>
+              </a:p>
+            </p:txBody>
+          </p:sp>
+        </mc:Fallback>
+      </mc:AlternateContent>
+      <mc:AlternateContent xmlns:mc="http://schemas.openxmlformats.org/markup-compatibility/2006">
+        <mc:Choice xmlns:a14="http://schemas.microsoft.com/office/drawing/2010/main" Requires="a14">
+          <p:sp>
+            <p:nvSpPr>
+              <p:cNvPr id="68" name="TextBox 67">
+                <a:extLst>
+                  <a:ext uri="{FF2B5EF4-FFF2-40B4-BE49-F238E27FC236}">
+                    <a16:creationId xmlns:a16="http://schemas.microsoft.com/office/drawing/2014/main" id="{343579D3-5867-4DE9-8CCC-087E7D813292}"/>
+                  </a:ext>
+                </a:extLst>
+              </p:cNvPr>
+              <p:cNvSpPr txBox="1"/>
+              <p:nvPr/>
+            </p:nvSpPr>
+            <p:spPr>
+              <a:xfrm>
+                <a:off x="8465692" y="5423766"/>
+                <a:ext cx="485763" cy="338554"/>
+              </a:xfrm>
+              <a:prstGeom prst="rect">
+                <a:avLst/>
+              </a:prstGeom>
+              <a:noFill/>
+            </p:spPr>
+            <p:txBody>
+              <a:bodyPr wrap="square" rtlCol="0">
+                <a:spAutoFit/>
+              </a:bodyPr>
+              <a:lstStyle/>
+              <a:p>
+                <a14:m>
+                  <m:oMathPara xmlns:m="http://schemas.openxmlformats.org/officeDocument/2006/math">
+                    <m:oMathParaPr>
+                      <m:jc m:val="centerGroup"/>
+                    </m:oMathParaPr>
+                    <m:oMath xmlns:m="http://schemas.openxmlformats.org/officeDocument/2006/math">
+                      <m:sSub>
+                        <m:sSubPr>
+                          <m:ctrlPr>
+                            <a:rPr lang="en-US" sz="1600" b="0" i="1" dirty="0" smtClean="0">
+                              <a:latin typeface="Cambria Math" panose="02040503050406030204" pitchFamily="18" charset="0"/>
+                              <a:cs typeface="Times New Roman" panose="02020603050405020304" pitchFamily="18" charset="0"/>
+                            </a:rPr>
+                          </m:ctrlPr>
+                        </m:sSubPr>
+                        <m:e>
+                          <m:r>
+                            <a:rPr lang="en-US" sz="1600" i="1" dirty="0" smtClean="0">
+                              <a:latin typeface="Cambria Math" panose="02040503050406030204" pitchFamily="18" charset="0"/>
+                              <a:cs typeface="Times New Roman" panose="02020603050405020304" pitchFamily="18" charset="0"/>
+                            </a:rPr>
+                            <m:t>𝑡</m:t>
+                          </m:r>
+                        </m:e>
+                        <m:sub>
+                          <m:r>
+                            <a:rPr lang="en-US" sz="1600" b="0" i="1" dirty="0" smtClean="0">
+                              <a:latin typeface="Cambria Math" panose="02040503050406030204" pitchFamily="18" charset="0"/>
+                              <a:cs typeface="Times New Roman" panose="02020603050405020304" pitchFamily="18" charset="0"/>
+                            </a:rPr>
+                            <m:t>3</m:t>
+                          </m:r>
+                        </m:sub>
+                      </m:sSub>
+                    </m:oMath>
+                  </m:oMathPara>
+                </a14:m>
+                <a:endParaRPr lang="en-US" sz="1600" dirty="0">
+                  <a:latin typeface="Times New Roman" panose="02020603050405020304" pitchFamily="18" charset="0"/>
+                  <a:cs typeface="Times New Roman" panose="02020603050405020304" pitchFamily="18" charset="0"/>
+                </a:endParaRPr>
+              </a:p>
+            </p:txBody>
+          </p:sp>
+        </mc:Choice>
+        <mc:Fallback>
+          <p:sp>
+            <p:nvSpPr>
+              <p:cNvPr id="68" name="TextBox 67">
+                <a:extLst>
+                  <a:ext uri="{FF2B5EF4-FFF2-40B4-BE49-F238E27FC236}">
+                    <a16:creationId xmlns:a16="http://schemas.microsoft.com/office/drawing/2014/main" id="{343579D3-5867-4DE9-8CCC-087E7D813292}"/>
+                  </a:ext>
+                </a:extLst>
+              </p:cNvPr>
+              <p:cNvSpPr txBox="1">
+                <a:spLocks noRot="1" noChangeAspect="1" noMove="1" noResize="1" noEditPoints="1" noAdjustHandles="1" noChangeArrowheads="1" noChangeShapeType="1" noTextEdit="1"/>
+              </p:cNvSpPr>
+              <p:nvPr/>
+            </p:nvSpPr>
+            <p:spPr>
+              <a:xfrm>
+                <a:off x="8465692" y="5423766"/>
+                <a:ext cx="485763" cy="338554"/>
+              </a:xfrm>
+              <a:prstGeom prst="rect">
+                <a:avLst/>
+              </a:prstGeom>
+              <a:blipFill>
+                <a:blip r:embed="rId20"/>
+                <a:stretch>
+                  <a:fillRect/>
+                </a:stretch>
+              </a:blipFill>
+            </p:spPr>
+            <p:txBody>
+              <a:bodyPr/>
+              <a:lstStyle/>
+              <a:p>
+                <a:r>
+                  <a:rPr lang="en-US">
+                    <a:noFill/>
+                  </a:rPr>
+                  <a:t> </a:t>
+                </a:r>
+              </a:p>
+            </p:txBody>
+          </p:sp>
+        </mc:Fallback>
+      </mc:AlternateContent>
     </p:spTree>
     <p:extLst>
       <p:ext uri="{BB962C8B-B14F-4D97-AF65-F5344CB8AC3E}">
@@ -8482,8 +9989,8 @@
           <a:chExt cx="0" cy="0"/>
         </a:xfrm>
       </p:grpSpPr>
-      <mc:AlternateContent xmlns:mc="http://schemas.openxmlformats.org/markup-compatibility/2006">
-        <mc:Choice xmlns:a14="http://schemas.microsoft.com/office/drawing/2010/main" Requires="a14">
+      <mc:AlternateContent xmlns:mc="http://schemas.openxmlformats.org/markup-compatibility/2006" xmlns:a14="http://schemas.microsoft.com/office/drawing/2010/main">
+        <mc:Choice Requires="a14">
           <p:sp>
             <p:nvSpPr>
               <p:cNvPr id="4" name="TextBox 3">
@@ -8558,7 +10065,7 @@
             </p:txBody>
           </p:sp>
         </mc:Choice>
-        <mc:Fallback>
+        <mc:Fallback xmlns="">
           <p:sp>
             <p:nvSpPr>
               <p:cNvPr id="4" name="TextBox 3">
